--- a/iot/NodeRED_Ancona.pptx
+++ b/iot/NodeRED_Ancona.pptx
@@ -378,7 +378,7 @@
             <a:pPr indent="0" algn="r">
               <a:buNone/>
             </a:pPr>
-            <a:fld id="{347A7FA0-D9F5-4481-A6DD-2A4D32AB596F}" type="slidenum">
+            <a:fld id="{D466BB35-64F6-46D7-90DE-783E0BD9223A}" type="slidenum">
               <a:rPr b="0" lang="en-US" sz="1400" spc="-1" strike="noStrike">
                 <a:solidFill>
                   <a:srgbClr val="000000"/>
@@ -581,7 +581,7 @@
                 <a:tab algn="l" pos="2895480"/>
               </a:tabLst>
             </a:pPr>
-            <a:fld id="{4BE45C64-B07A-433F-9A53-32D0BA7CBA23}" type="slidenum">
+            <a:fld id="{5AAB3DA7-A607-4F6B-ACF2-7AF5D779560F}" type="slidenum">
               <a:rPr b="0" lang="it-IT" sz="1400" spc="-1" strike="noStrike">
                 <a:solidFill>
                   <a:srgbClr val="000000"/>
@@ -1141,7 +1141,7 @@
                 <a:tab algn="l" pos="2895480"/>
               </a:tabLst>
             </a:pPr>
-            <a:fld id="{E8E17F07-69FE-4024-B3B3-09FC9A8A9EEE}" type="slidenum">
+            <a:fld id="{51F3A345-7A13-4FFD-90F3-25F68DCA206A}" type="slidenum">
               <a:rPr b="0" lang="it-IT" sz="1400" spc="-1" strike="noStrike">
                 <a:solidFill>
                   <a:srgbClr val="000000"/>
@@ -1480,7 +1480,7 @@
                 <a:tab algn="l" pos="2895480"/>
               </a:tabLst>
             </a:pPr>
-            <a:fld id="{CCBFB34B-D357-4F90-9E16-A82799B89197}" type="slidenum">
+            <a:fld id="{4D837481-DAB8-4526-A221-576DDD4942EE}" type="slidenum">
               <a:rPr b="0" lang="it-IT" sz="1400" spc="-1" strike="noStrike">
                 <a:solidFill>
                   <a:srgbClr val="000000"/>
@@ -1819,7 +1819,7 @@
                 <a:tab algn="l" pos="2895480"/>
               </a:tabLst>
             </a:pPr>
-            <a:fld id="{52D0013A-E98D-489D-A9B6-931E165C0297}" type="slidenum">
+            <a:fld id="{000611CF-55CF-4D85-81AB-62F02045A36E}" type="slidenum">
               <a:rPr b="0" lang="it-IT" sz="1400" spc="-1" strike="noStrike">
                 <a:solidFill>
                   <a:srgbClr val="000000"/>
@@ -2158,7 +2158,7 @@
                 <a:tab algn="l" pos="2895480"/>
               </a:tabLst>
             </a:pPr>
-            <a:fld id="{4F721B01-8659-4F02-8830-CD39B74968E0}" type="slidenum">
+            <a:fld id="{810522FD-6217-4A76-A233-7252FE6F1163}" type="slidenum">
               <a:rPr b="0" lang="it-IT" sz="1400" spc="-1" strike="noStrike">
                 <a:solidFill>
                   <a:srgbClr val="000000"/>
@@ -2863,7 +2863,7 @@
                 <a:tab algn="l" pos="2895480"/>
               </a:tabLst>
             </a:pPr>
-            <a:fld id="{41273411-88EC-478C-A3CE-0EF3D7656E8D}" type="slidenum">
+            <a:fld id="{1BF9139F-01AA-4962-8F9E-37BCD11FC2BF}" type="slidenum">
               <a:rPr b="0" lang="it-IT" sz="1400" spc="-1" strike="noStrike">
                 <a:solidFill>
                   <a:srgbClr val="000000"/>
@@ -3191,7 +3191,7 @@
                 <a:tab algn="l" pos="2895480"/>
               </a:tabLst>
             </a:pPr>
-            <a:fld id="{58E37862-A934-41CC-8BFC-06494C7571D7}" type="slidenum">
+            <a:fld id="{A67D98DC-0445-42E2-ADF6-3B04B667F7FA}" type="slidenum">
               <a:rPr b="0" lang="it-IT" sz="1400" spc="-1" strike="noStrike">
                 <a:solidFill>
                   <a:srgbClr val="000000"/>
@@ -3519,7 +3519,7 @@
                 <a:tab algn="l" pos="2895480"/>
               </a:tabLst>
             </a:pPr>
-            <a:fld id="{5B302AEA-61F7-4630-99E0-608934C33B66}" type="slidenum">
+            <a:fld id="{F2DE1CB3-8781-4449-8309-6098E48F0930}" type="slidenum">
               <a:rPr b="0" lang="it-IT" sz="1400" spc="-1" strike="noStrike">
                 <a:solidFill>
                   <a:srgbClr val="000000"/>
@@ -3858,7 +3858,7 @@
                 <a:tab algn="l" pos="2895480"/>
               </a:tabLst>
             </a:pPr>
-            <a:fld id="{33C777E9-B291-41DC-8730-238A4161E532}" type="slidenum">
+            <a:fld id="{CE85188A-AC45-49F2-B994-2AB688E450B0}" type="slidenum">
               <a:rPr b="0" lang="it-IT" sz="1400" spc="-1" strike="noStrike">
                 <a:solidFill>
                   <a:srgbClr val="000000"/>
@@ -4418,7 +4418,7 @@
                 <a:tab algn="l" pos="2895480"/>
               </a:tabLst>
             </a:pPr>
-            <a:fld id="{8D6C4186-0214-4FE7-BB1C-0BD6DAAC7A87}" type="slidenum">
+            <a:fld id="{739A8248-CC1B-42DF-AEB7-0AF39D203664}" type="slidenum">
               <a:rPr b="0" lang="it-IT" sz="1400" spc="-1" strike="noStrike">
                 <a:solidFill>
                   <a:srgbClr val="000000"/>
@@ -4757,7 +4757,7 @@
                 <a:tab algn="l" pos="2895480"/>
               </a:tabLst>
             </a:pPr>
-            <a:fld id="{50414587-1239-4608-8CC2-5F137E9756B2}" type="slidenum">
+            <a:fld id="{894ACE0A-BAED-45DB-8D9C-A59BAEE576BB}" type="slidenum">
               <a:rPr b="0" lang="it-IT" sz="1400" spc="-1" strike="noStrike">
                 <a:solidFill>
                   <a:srgbClr val="000000"/>
@@ -5096,7 +5096,7 @@
                 <a:tab algn="l" pos="2895480"/>
               </a:tabLst>
             </a:pPr>
-            <a:fld id="{31B23607-BC59-4CD0-8E0C-048AA7F267C6}" type="slidenum">
+            <a:fld id="{2F2F3F7A-074E-43E3-B65C-D3F606574A7A}" type="slidenum">
               <a:rPr b="0" lang="it-IT" sz="1400" spc="-1" strike="noStrike">
                 <a:solidFill>
                   <a:srgbClr val="000000"/>
@@ -6102,7 +6102,7 @@
         <p:txBody>
           <a:bodyPr/>
           <a:p>
-            <a:fld id="{BE65CEE3-D192-47AA-AF16-515683F46D23}" type="slidenum">
+            <a:fld id="{4D84F3C3-5A17-4380-A160-0192BE1F1C1D}" type="slidenum">
               <a:t>&lt;#&gt;</a:t>
             </a:fld>
           </a:p>
@@ -6244,7 +6244,7 @@
         <p:txBody>
           <a:bodyPr/>
           <a:p>
-            <a:fld id="{FE56359B-BB57-4EF5-8347-31259BFA54B7}" type="slidenum">
+            <a:fld id="{CB914332-66CB-434E-948C-0160B0B7780C}" type="slidenum">
               <a:t>&lt;#&gt;</a:t>
             </a:fld>
           </a:p>
@@ -11397,7 +11397,7 @@
                 <a:tab algn="l" pos="0"/>
               </a:tabLst>
             </a:pPr>
-            <a:fld id="{A6965697-974F-4BD7-88C0-57511E3AD854}" type="slidenum">
+            <a:fld id="{AEF6940A-2EC5-411C-AD9C-CA9412108E07}" type="slidenum">
               <a:rPr b="0" lang="it-IT" sz="800" spc="-1" strike="noStrike">
                 <a:solidFill>
                   <a:srgbClr val="000000"/>
@@ -11673,7 +11673,7 @@
                 <a:tab algn="l" pos="0"/>
               </a:tabLst>
             </a:pPr>
-            <a:fld id="{3A70EA9E-85F8-463A-89CD-E7BA2FAFA1EB}" type="slidenum">
+            <a:fld id="{E5543900-428C-459B-9207-3F42AE3DAF3B}" type="slidenum">
               <a:rPr b="0" lang="it-IT" sz="989" spc="-1" strike="noStrike">
                 <a:solidFill>
                   <a:srgbClr val="888888"/>
@@ -20950,7 +20950,7 @@
                 <a:latin typeface="Arial"/>
                 <a:ea typeface="Microsoft YaHei"/>
               </a:rPr>
-              <a:t>l'applicazione raccoglie i dati da una stazione meteo dotata di sensori di temperatura, umidità e pressione</a:t>
+              <a:t>l'applicazione acquisisce dati da una stazione meteo dotata di sensori di temperatura, umidità e pressione</a:t>
             </a:r>
             <a:endParaRPr b="0" lang="en-US" sz="2400" spc="-1" strike="noStrike">
               <a:solidFill>
@@ -21002,7 +21002,7 @@
                 <a:latin typeface="Arial"/>
                 <a:ea typeface="Microsoft YaHei"/>
               </a:rPr>
-              <a:t>l'applicazione Node-RED si connette al server MQTT, estrae le informazioni rilevanti e le visualizza sulla dashboard</a:t>
+              <a:t>l'applicazione Node-RED si connette al server MQTT, elabora le informazioni rilevanti e le visualizza sulla dashboard</a:t>
             </a:r>
             <a:endParaRPr b="0" lang="en-US" sz="2400" spc="-1" strike="noStrike">
               <a:solidFill>
@@ -21884,7 +21884,7 @@
         <p:spPr>
           <a:xfrm>
             <a:off x="2102760" y="5406480"/>
-            <a:ext cx="8184240" cy="1680120"/>
+            <a:ext cx="7955640" cy="1992600"/>
           </a:xfrm>
           <a:prstGeom prst="rect">
             <a:avLst/>
@@ -21933,7 +21933,7 @@
                 <a:latin typeface="Arial"/>
                 <a:ea typeface="Microsoft YaHei"/>
               </a:rPr>
-              <a:t>ricezione dei dati, estrazione e visualizzazione mediante diagrammi e contatori</a:t>
+              <a:t>acquisizione dei dati, elaborazione e visualizzazione con diagrammi e contatori</a:t>
             </a:r>
             <a:endParaRPr b="0" lang="en-US" sz="2200" spc="-1" strike="noStrike">
               <a:solidFill>
@@ -22301,7 +22301,7 @@
                 <a:latin typeface="Arial"/>
                 <a:ea typeface="Microsoft YaHei"/>
               </a:rPr>
-              <a:t>nella side-bar la scheda “dashboard” permette di configurare le proprietà della pagina web che visualizza la dashboard dell'applicazione</a:t>
+              <a:t>nella side-bar la scheda “dashboard” permette di configurare le proprietà della pagina web dove la dashboard dell'applicazione è visualizzata</a:t>
             </a:r>
             <a:endParaRPr b="0" lang="en-US" sz="2400" spc="-1" strike="noStrike">
               <a:solidFill>
@@ -22346,7 +22346,7 @@
                 <a:latin typeface="Arial"/>
                 <a:ea typeface="Microsoft YaHei"/>
               </a:rPr>
-              <a:t>nella scheda “dashboard” la freccia in alto a destra permette di aprire il link alla dashboard</a:t>
+              <a:t>nella scheda “dashboard” la freccia in alto a destra punta al link della dashboard</a:t>
             </a:r>
             <a:endParaRPr b="0" lang="en-US" sz="2400" spc="-1" strike="noStrike">
               <a:solidFill>
@@ -22694,7 +22694,7 @@
                 <a:latin typeface="Arial"/>
                 <a:ea typeface="Microsoft YaHei"/>
               </a:rPr>
-              <a:t>il bottone “clear all data” nella dashboard cancella tutti i dati memorizzati nel diagramma</a:t>
+              <a:t>il bottone “clear all data” nella dashboard cancella tutti i dati visualizzati nel diagramma</a:t>
             </a:r>
             <a:endParaRPr b="0" lang="en-US" sz="2400" spc="-1" strike="noStrike">
               <a:solidFill>
@@ -23208,7 +23208,7 @@
         <p:spPr>
           <a:xfrm>
             <a:off x="502560" y="3250080"/>
-            <a:ext cx="8870040" cy="3828600"/>
+            <a:ext cx="8870040" cy="4168440"/>
           </a:xfrm>
           <a:prstGeom prst="rect">
             <a:avLst/>
@@ -23386,7 +23386,7 @@
                 <a:latin typeface="Arial"/>
                 <a:ea typeface="Microsoft YaHei"/>
               </a:rPr>
-              <a:t>come sviluppare in Node-RED una semplice applicazione IoT che raccoglie dati di sensori connessi alla rete </a:t>
+              <a:t>come sviluppare in Node-RED una semplice applicazione per l'acquisizione, elaborazione e visualizzazione di dati provenienti da dispositivi IoT</a:t>
             </a:r>
             <a:endParaRPr b="0" lang="en-US" sz="2400" spc="-1" strike="noStrike">
               <a:solidFill>
@@ -25921,33 +25921,7 @@
                 <a:latin typeface="Arial"/>
                 <a:ea typeface="Microsoft YaHei"/>
               </a:rPr>
-              <a:t>switch: smista il dato in ingresso su zero </a:t>
-            </a:r>
-            <a:endParaRPr b="0" lang="en-US" sz="2400" spc="-1" strike="noStrike">
-              <a:solidFill>
-                <a:srgbClr val="000000"/>
-              </a:solidFill>
-              <a:latin typeface="Arial"/>
-            </a:endParaRPr>
-          </a:p>
-          <a:p>
-            <a:pPr marL="216000" indent="-216000">
-              <a:buClr>
-                <a:srgbClr val="000000"/>
-              </a:buClr>
-              <a:buSzPct val="45000"/>
-              <a:buFont typeface="Wingdings" charset="2"/>
-              <a:buChar char=""/>
-            </a:pPr>
-            <a:r>
-              <a:rPr b="0" lang="it-IT" sz="2400" spc="-1" strike="noStrike">
-                <a:solidFill>
-                  <a:srgbClr val="000000"/>
-                </a:solidFill>
-                <a:latin typeface="Arial"/>
-                <a:ea typeface="Microsoft YaHei"/>
-              </a:rPr>
-              <a:t>o più uscite</a:t>
+              <a:t>switch: collega l'ingresso a zero o più uscite</a:t>
             </a:r>
             <a:endParaRPr b="0" lang="en-US" sz="2400" spc="-1" strike="noStrike">
               <a:solidFill>
@@ -26513,7 +26487,7 @@
                 <a:latin typeface="Arial"/>
                 <a:ea typeface="Microsoft YaHei"/>
               </a:rPr>
-              <a:t>lo sviluppo e l'esecuzione di un programma Node-RED vengono gestiti tramite un qualsiasi web browser </a:t>
+              <a:t>è possibile sviluppare e eseguire un programma Node-RED con un qualsiasi web browser </a:t>
             </a:r>
             <a:endParaRPr b="0" lang="en-US" sz="2400" spc="-1" strike="noStrike">
               <a:solidFill>
@@ -26929,7 +26903,7 @@
                 <a:latin typeface="Arial"/>
                 <a:ea typeface="Microsoft YaHei"/>
               </a:rPr>
-              <a:t>applicazione definita dall'utente in grado di interagire con l'esterno tramite diversi protocolli di comunicazione </a:t>
+              <a:t>applicazione definita dall'utente in grado di interagire con altre componenti connesse alla rete con diversi protocolli </a:t>
             </a:r>
             <a:endParaRPr b="0" lang="en-US" sz="2400" spc="-1" strike="noStrike">
               <a:solidFill>

--- a/iot/NodeRED_Ancona.pptx
+++ b/iot/NodeRED_Ancona.pptx
@@ -378,7 +378,7 @@
             <a:pPr indent="0" algn="r">
               <a:buNone/>
             </a:pPr>
-            <a:fld id="{D466BB35-64F6-46D7-90DE-783E0BD9223A}" type="slidenum">
+            <a:fld id="{6ED0A1D0-2EB9-4D4D-A3F5-AA0EE146B0B9}" type="slidenum">
               <a:rPr b="0" lang="en-US" sz="1400" spc="-1" strike="noStrike">
                 <a:solidFill>
                   <a:srgbClr val="000000"/>
@@ -400,107 +400,6 @@
   </p:cSld>
   <p:clrMap bg1="lt1" bg2="lt2" tx1="dk1" tx2="dk2" accent1="accent1" accent2="accent2" accent3="accent3" accent4="accent4" accent5="accent5" accent6="accent6" hlink="hlink" folHlink="folHlink"/>
 </p:notesMaster>
-</file>
-
-<file path=ppt/notesSlides/notesSlide1.xml><?xml version="1.0" encoding="utf-8"?>
-<p:notes xmlns:a="http://schemas.openxmlformats.org/drawingml/2006/main" xmlns:p="http://schemas.openxmlformats.org/presentationml/2006/main" xmlns:r="http://schemas.openxmlformats.org/officeDocument/2006/relationships" xmlns:p14="http://schemas.microsoft.com/office/powerpoint/2010/main" xmlns:p15="http://schemas.microsoft.com/office/powerpoint/2012/main" xmlns:mc="http://schemas.openxmlformats.org/markup-compatibility/2006">
-  <p:cSld>
-    <p:spTree>
-      <p:nvGrpSpPr>
-        <p:cNvPr id="1" name=""/>
-        <p:cNvGrpSpPr/>
-        <p:nvPr/>
-      </p:nvGrpSpPr>
-      <p:grpSpPr>
-        <a:xfrm>
-          <a:off x="0" y="0"/>
-          <a:ext cx="0" cy="0"/>
-          <a:chOff x="0" y="0"/>
-          <a:chExt cx="0" cy="0"/>
-        </a:xfrm>
-      </p:grpSpPr>
-      <p:sp>
-        <p:nvSpPr>
-          <p:cNvPr id="213" name="PlaceHolder 1"/>
-          <p:cNvSpPr>
-            <a:spLocks noGrp="1"/>
-          </p:cNvSpPr>
-          <p:nvPr>
-            <p:ph type="body"/>
-          </p:nvPr>
-        </p:nvSpPr>
-        <p:spPr>
-          <a:xfrm>
-            <a:off x="756000" y="5078520"/>
-            <a:ext cx="6047280" cy="4811040"/>
-          </a:xfrm>
-          <a:prstGeom prst="rect">
-            <a:avLst/>
-          </a:prstGeom>
-          <a:noFill/>
-          <a:ln w="0">
-            <a:noFill/>
-          </a:ln>
-        </p:spPr>
-        <p:txBody>
-          <a:bodyPr lIns="91440" rIns="91440" tIns="91440" bIns="91440" anchor="ctr">
-            <a:noAutofit/>
-          </a:bodyPr>
-          <a:p>
-            <a:pPr indent="0">
-              <a:lnSpc>
-                <a:spcPct val="100000"/>
-              </a:lnSpc>
-              <a:buNone/>
-              <a:tabLst>
-                <a:tab algn="l" pos="0"/>
-              </a:tabLst>
-            </a:pPr>
-            <a:r>
-              <a:rPr b="0" lang="it-IT" sz="1200" spc="-1" strike="noStrike">
-                <a:solidFill>
-                  <a:srgbClr val="000000"/>
-                </a:solidFill>
-                <a:latin typeface="Arial"/>
-                <a:ea typeface="Arial"/>
-              </a:rPr>
-              <a:t>In questo modulo vedremo quali tipo di architetture si possono usare per supportare un esperimento diffuso di biomonitoraggio utilizzando principi e tecnologie per internet delle cose e big data</a:t>
-            </a:r>
-            <a:endParaRPr b="0" lang="en-US" sz="1200" spc="-1" strike="noStrike">
-              <a:solidFill>
-                <a:srgbClr val="000000"/>
-              </a:solidFill>
-              <a:latin typeface="Arial"/>
-            </a:endParaRPr>
-          </a:p>
-        </p:txBody>
-      </p:sp>
-      <p:sp>
-        <p:nvSpPr>
-          <p:cNvPr id="214" name="PlaceHolder 2"/>
-          <p:cNvSpPr>
-            <a:spLocks noGrp="1"/>
-          </p:cNvSpPr>
-          <p:nvPr>
-            <p:ph type="sldImg"/>
-          </p:nvPr>
-        </p:nvSpPr>
-        <p:spPr>
-          <a:xfrm>
-            <a:off x="1108080" y="801720"/>
-            <a:ext cx="5344920" cy="4009680"/>
-          </a:xfrm>
-          <a:prstGeom prst="rect">
-            <a:avLst/>
-          </a:prstGeom>
-          <a:ln w="0">
-            <a:noFill/>
-          </a:ln>
-        </p:spPr>
-      </p:sp>
-    </p:spTree>
-  </p:cSld>
-</p:notes>
 </file>
 
 <file path=ppt/notesSlides/notesSlide10.xml><?xml version="1.0" encoding="utf-8"?>
@@ -522,7 +421,7 @@
       </p:grpSpPr>
       <p:sp>
         <p:nvSpPr>
-          <p:cNvPr id="238" name="PlaceHolder 1"/>
+          <p:cNvPr id="227" name="PlaceHolder 1"/>
           <p:cNvSpPr>
             <a:spLocks noGrp="1"/>
           </p:cNvSpPr>
@@ -581,7 +480,7 @@
                 <a:tab algn="l" pos="2895480"/>
               </a:tabLst>
             </a:pPr>
-            <a:fld id="{5AAB3DA7-A607-4F6B-ACF2-7AF5D779560F}" type="slidenum">
+            <a:fld id="{18F41C52-E129-42D4-B14C-EBDAC2359677}" type="slidenum">
               <a:rPr b="0" lang="it-IT" sz="1400" spc="-1" strike="noStrike">
                 <a:solidFill>
                   <a:srgbClr val="000000"/>
@@ -602,7 +501,7 @@
       </p:sp>
       <p:sp>
         <p:nvSpPr>
-          <p:cNvPr id="239" name="PlaceHolder 2"/>
+          <p:cNvPr id="228" name="PlaceHolder 2"/>
           <p:cNvSpPr>
             <a:spLocks noGrp="1"/>
           </p:cNvSpPr>
@@ -622,441 +521,6 @@
             <a:noFill/>
           </a:ln>
         </p:spPr>
-      </p:sp>
-      <p:sp>
-        <p:nvSpPr>
-          <p:cNvPr id="240" name="PlaceHolder 3"/>
-          <p:cNvSpPr>
-            <a:spLocks noGrp="1"/>
-          </p:cNvSpPr>
-          <p:nvPr>
-            <p:ph type="body"/>
-          </p:nvPr>
-        </p:nvSpPr>
-        <p:spPr>
-          <a:xfrm>
-            <a:off x="755640" y="5078520"/>
-            <a:ext cx="6048000" cy="4811400"/>
-          </a:xfrm>
-          <a:prstGeom prst="rect">
-            <a:avLst/>
-          </a:prstGeom>
-          <a:noFill/>
-          <a:ln w="0">
-            <a:noFill/>
-          </a:ln>
-        </p:spPr>
-        <p:txBody>
-          <a:bodyPr lIns="91440" rIns="91440" tIns="91440" bIns="91440" anchor="ctr">
-            <a:noAutofit/>
-          </a:bodyPr>
-          <a:p>
-            <a:pPr marL="457200" indent="-298440">
-              <a:lnSpc>
-                <a:spcPct val="100000"/>
-              </a:lnSpc>
-              <a:buClr>
-                <a:srgbClr val="000000"/>
-              </a:buClr>
-              <a:buFont typeface="Arial"/>
-              <a:buChar char="●"/>
-            </a:pPr>
-            <a:r>
-              <a:rPr b="1" lang="it-IT" sz="1200" spc="-1" strike="noStrike">
-                <a:solidFill>
-                  <a:srgbClr val="000000"/>
-                </a:solidFill>
-                <a:latin typeface="Arial"/>
-                <a:ea typeface="Arial"/>
-              </a:rPr>
-              <a:t>L'Internet degli cose </a:t>
-            </a:r>
-            <a:r>
-              <a:rPr b="0" lang="it-IT" sz="1200" spc="-1" strike="noStrike">
-                <a:solidFill>
-                  <a:srgbClr val="000000"/>
-                </a:solidFill>
-                <a:latin typeface="Arial"/>
-                <a:ea typeface="Arial"/>
-              </a:rPr>
-              <a:t>è la rete di </a:t>
-            </a:r>
-            <a:br>
-              <a:rPr sz="1200"/>
-            </a:br>
-            <a:r>
-              <a:rPr b="0" lang="it-IT" sz="1200" spc="-1" strike="noStrike">
-                <a:solidFill>
-                  <a:srgbClr val="000000"/>
-                </a:solidFill>
-                <a:latin typeface="Arial"/>
-                <a:ea typeface="Arial"/>
-              </a:rPr>
-              <a:t>oggetti intelligenti che contengono </a:t>
-            </a:r>
-            <a:br>
-              <a:rPr sz="1200"/>
-            </a:br>
-            <a:r>
-              <a:rPr b="0" lang="it-IT" sz="1200" spc="-1" strike="noStrike">
-                <a:solidFill>
-                  <a:srgbClr val="000000"/>
-                </a:solidFill>
-                <a:latin typeface="Arial"/>
-                <a:ea typeface="Arial"/>
-              </a:rPr>
-              <a:t>una tecnologia incorporata per </a:t>
-            </a:r>
-            <a:br>
-              <a:rPr sz="1200"/>
-            </a:br>
-            <a:r>
-              <a:rPr b="0" lang="it-IT" sz="1200" spc="-1" strike="noStrike">
-                <a:solidFill>
-                  <a:srgbClr val="000000"/>
-                </a:solidFill>
-                <a:latin typeface="Arial"/>
-                <a:ea typeface="Arial"/>
-              </a:rPr>
-              <a:t>comunicare e percepire o interagire </a:t>
-            </a:r>
-            <a:br>
-              <a:rPr sz="1200"/>
-            </a:br>
-            <a:r>
-              <a:rPr b="0" lang="it-IT" sz="1200" spc="-1" strike="noStrike">
-                <a:solidFill>
-                  <a:srgbClr val="000000"/>
-                </a:solidFill>
-                <a:latin typeface="Arial"/>
-                <a:ea typeface="Arial"/>
-              </a:rPr>
-              <a:t>con l'ambiente esterno.</a:t>
-            </a:r>
-            <a:endParaRPr b="0" lang="en-US" sz="1200" spc="-1" strike="noStrike">
-              <a:solidFill>
-                <a:srgbClr val="000000"/>
-              </a:solidFill>
-              <a:latin typeface="Arial"/>
-            </a:endParaRPr>
-          </a:p>
-          <a:p>
-            <a:pPr indent="0">
-              <a:lnSpc>
-                <a:spcPct val="100000"/>
-              </a:lnSpc>
-              <a:buNone/>
-            </a:pPr>
-            <a:endParaRPr b="0" lang="en-US" sz="1200" spc="-1" strike="noStrike">
-              <a:solidFill>
-                <a:srgbClr val="000000"/>
-              </a:solidFill>
-              <a:latin typeface="Arial"/>
-            </a:endParaRPr>
-          </a:p>
-          <a:p>
-            <a:pPr marL="457200" indent="-298440">
-              <a:lnSpc>
-                <a:spcPct val="100000"/>
-              </a:lnSpc>
-              <a:buClr>
-                <a:srgbClr val="000000"/>
-              </a:buClr>
-              <a:buFont typeface="Arial"/>
-              <a:buChar char="●"/>
-            </a:pPr>
-            <a:r>
-              <a:rPr b="0" lang="it-IT" sz="1200" spc="-1" strike="noStrike">
-                <a:solidFill>
-                  <a:srgbClr val="000000"/>
-                </a:solidFill>
-                <a:latin typeface="Arial"/>
-                <a:ea typeface="Arial"/>
-              </a:rPr>
-              <a:t>Una volta che un oggetto intelligente </a:t>
-            </a:r>
-            <a:br>
-              <a:rPr sz="1200"/>
-            </a:br>
-            <a:r>
-              <a:rPr b="0" lang="it-IT" sz="1200" spc="-1" strike="noStrike">
-                <a:solidFill>
-                  <a:srgbClr val="000000"/>
-                </a:solidFill>
-                <a:latin typeface="Arial"/>
-                <a:ea typeface="Arial"/>
-              </a:rPr>
-              <a:t>viene connesso a Internet, </a:t>
-            </a:r>
-            <a:br>
-              <a:rPr sz="1200"/>
-            </a:br>
-            <a:r>
-              <a:rPr b="0" lang="it-IT" sz="1200" spc="-1" strike="noStrike">
-                <a:solidFill>
-                  <a:srgbClr val="000000"/>
-                </a:solidFill>
-                <a:latin typeface="Arial"/>
-                <a:ea typeface="Arial"/>
-              </a:rPr>
-              <a:t>i suoi servizi diventano parte </a:t>
-            </a:r>
-            <a:br>
-              <a:rPr sz="1200"/>
-            </a:br>
-            <a:r>
-              <a:rPr b="0" lang="it-IT" sz="1200" spc="-1" strike="noStrike">
-                <a:solidFill>
-                  <a:srgbClr val="000000"/>
-                </a:solidFill>
-                <a:latin typeface="Arial"/>
-                <a:ea typeface="Arial"/>
-              </a:rPr>
-              <a:t>della rete stessa</a:t>
-            </a:r>
-            <a:endParaRPr b="0" lang="en-US" sz="1200" spc="-1" strike="noStrike">
-              <a:solidFill>
-                <a:srgbClr val="000000"/>
-              </a:solidFill>
-              <a:latin typeface="Arial"/>
-            </a:endParaRPr>
-          </a:p>
-          <a:p>
-            <a:pPr indent="0">
-              <a:lnSpc>
-                <a:spcPct val="100000"/>
-              </a:lnSpc>
-              <a:buNone/>
-            </a:pPr>
-            <a:endParaRPr b="0" lang="en-US" sz="2400" spc="-1" strike="noStrike">
-              <a:solidFill>
-                <a:srgbClr val="000000"/>
-              </a:solidFill>
-              <a:latin typeface="Arial"/>
-            </a:endParaRPr>
-          </a:p>
-        </p:txBody>
-      </p:sp>
-    </p:spTree>
-  </p:cSld>
-</p:notes>
-</file>
-
-<file path=ppt/notesSlides/notesSlide11.xml><?xml version="1.0" encoding="utf-8"?>
-<p:notes xmlns:a="http://schemas.openxmlformats.org/drawingml/2006/main" xmlns:p="http://schemas.openxmlformats.org/presentationml/2006/main" xmlns:r="http://schemas.openxmlformats.org/officeDocument/2006/relationships" xmlns:p14="http://schemas.microsoft.com/office/powerpoint/2010/main" xmlns:p15="http://schemas.microsoft.com/office/powerpoint/2012/main" xmlns:mc="http://schemas.openxmlformats.org/markup-compatibility/2006">
-  <p:cSld>
-    <p:spTree>
-      <p:nvGrpSpPr>
-        <p:cNvPr id="1" name=""/>
-        <p:cNvGrpSpPr/>
-        <p:nvPr/>
-      </p:nvGrpSpPr>
-      <p:grpSpPr>
-        <a:xfrm>
-          <a:off x="0" y="0"/>
-          <a:ext cx="0" cy="0"/>
-          <a:chOff x="0" y="0"/>
-          <a:chExt cx="0" cy="0"/>
-        </a:xfrm>
-      </p:grpSpPr>
-      <p:sp>
-        <p:nvSpPr>
-          <p:cNvPr id="241" name="PlaceHolder 1"/>
-          <p:cNvSpPr>
-            <a:spLocks noGrp="1"/>
-          </p:cNvSpPr>
-          <p:nvPr>
-            <p:ph type="sldImg"/>
-          </p:nvPr>
-        </p:nvSpPr>
-        <p:spPr>
-          <a:xfrm>
-            <a:off x="1108080" y="801720"/>
-            <a:ext cx="5344920" cy="4009680"/>
-          </a:xfrm>
-          <a:prstGeom prst="rect">
-            <a:avLst/>
-          </a:prstGeom>
-          <a:ln w="0">
-            <a:noFill/>
-          </a:ln>
-        </p:spPr>
-      </p:sp>
-      <p:sp>
-        <p:nvSpPr>
-          <p:cNvPr id="242" name="PlaceHolder 2"/>
-          <p:cNvSpPr>
-            <a:spLocks noGrp="1"/>
-          </p:cNvSpPr>
-          <p:nvPr>
-            <p:ph type="body"/>
-          </p:nvPr>
-        </p:nvSpPr>
-        <p:spPr>
-          <a:xfrm>
-            <a:off x="756000" y="5078520"/>
-            <a:ext cx="6047280" cy="4811040"/>
-          </a:xfrm>
-          <a:prstGeom prst="rect">
-            <a:avLst/>
-          </a:prstGeom>
-          <a:noFill/>
-          <a:ln w="0">
-            <a:noFill/>
-          </a:ln>
-        </p:spPr>
-        <p:txBody>
-          <a:bodyPr lIns="91440" rIns="91440" tIns="91440" bIns="91440" anchor="t">
-            <a:noAutofit/>
-          </a:bodyPr>
-          <a:p>
-            <a:pPr marL="158760" indent="0">
-              <a:lnSpc>
-                <a:spcPct val="100000"/>
-              </a:lnSpc>
-              <a:buNone/>
-              <a:tabLst>
-                <a:tab algn="l" pos="0"/>
-              </a:tabLst>
-            </a:pPr>
-            <a:r>
-              <a:rPr b="0" lang="it-IT" sz="1200" spc="-1" strike="noStrike">
-                <a:solidFill>
-                  <a:srgbClr val="000000"/>
-                </a:solidFill>
-                <a:latin typeface="Arial"/>
-                <a:ea typeface="Arial"/>
-              </a:rPr>
-              <a:t>Quale affermazione è vera?</a:t>
-            </a:r>
-            <a:br>
-              <a:rPr sz="1200"/>
-            </a:br>
-            <a:br>
-              <a:rPr sz="1200"/>
-            </a:br>
-            <a:r>
-              <a:rPr b="0" lang="it-IT" sz="1200" spc="-1" strike="noStrike">
-                <a:solidFill>
-                  <a:srgbClr val="000000"/>
-                </a:solidFill>
-                <a:latin typeface="Arial"/>
-                <a:ea typeface="Arial"/>
-              </a:rPr>
-              <a:t>A) HTTP è un protocollo asincrono mentre MQTT è un protocollo sincrono</a:t>
-            </a:r>
-            <a:br>
-              <a:rPr sz="1200"/>
-            </a:br>
-            <a:br>
-              <a:rPr sz="1200"/>
-            </a:br>
-            <a:r>
-              <a:rPr b="0" lang="it-IT" sz="1200" spc="-1" strike="noStrike">
-                <a:solidFill>
-                  <a:srgbClr val="000000"/>
-                </a:solidFill>
-                <a:latin typeface="Arial"/>
-                <a:ea typeface="Arial"/>
-              </a:rPr>
-              <a:t>B) Quando una richiesta HTTP ha successo si possono poi ricevere sequenze di ad intervalli regolari</a:t>
-            </a:r>
-            <a:endParaRPr b="0" lang="en-US" sz="1200" spc="-1" strike="noStrike">
-              <a:solidFill>
-                <a:srgbClr val="000000"/>
-              </a:solidFill>
-              <a:latin typeface="Arial"/>
-            </a:endParaRPr>
-          </a:p>
-          <a:p>
-            <a:pPr marL="158760" indent="0">
-              <a:lnSpc>
-                <a:spcPct val="100000"/>
-              </a:lnSpc>
-              <a:buNone/>
-              <a:tabLst>
-                <a:tab algn="l" pos="0"/>
-              </a:tabLst>
-            </a:pPr>
-            <a:endParaRPr b="0" lang="en-US" sz="1200" spc="-1" strike="noStrike">
-              <a:solidFill>
-                <a:srgbClr val="000000"/>
-              </a:solidFill>
-              <a:latin typeface="Arial"/>
-            </a:endParaRPr>
-          </a:p>
-          <a:p>
-            <a:pPr marL="158760" indent="0">
-              <a:lnSpc>
-                <a:spcPct val="100000"/>
-              </a:lnSpc>
-              <a:buNone/>
-              <a:tabLst>
-                <a:tab algn="l" pos="0"/>
-              </a:tabLst>
-            </a:pPr>
-            <a:r>
-              <a:rPr b="0" lang="it-IT" sz="1200" spc="-1" strike="noStrike">
-                <a:solidFill>
-                  <a:srgbClr val="000000"/>
-                </a:solidFill>
-                <a:latin typeface="Arial"/>
-                <a:ea typeface="Arial"/>
-              </a:rPr>
-              <a:t>C) MQTT è un protocollo client/server</a:t>
-            </a:r>
-            <a:endParaRPr b="0" lang="en-US" sz="1200" spc="-1" strike="noStrike">
-              <a:solidFill>
-                <a:srgbClr val="000000"/>
-              </a:solidFill>
-              <a:latin typeface="Arial"/>
-            </a:endParaRPr>
-          </a:p>
-          <a:p>
-            <a:pPr marL="158760" indent="0">
-              <a:lnSpc>
-                <a:spcPct val="100000"/>
-              </a:lnSpc>
-              <a:buNone/>
-              <a:tabLst>
-                <a:tab algn="l" pos="0"/>
-              </a:tabLst>
-            </a:pPr>
-            <a:endParaRPr b="0" lang="en-US" sz="1200" spc="-1" strike="noStrike">
-              <a:solidFill>
-                <a:srgbClr val="000000"/>
-              </a:solidFill>
-              <a:latin typeface="Arial"/>
-            </a:endParaRPr>
-          </a:p>
-          <a:p>
-            <a:pPr marL="158760" indent="0">
-              <a:lnSpc>
-                <a:spcPct val="100000"/>
-              </a:lnSpc>
-              <a:buNone/>
-              <a:tabLst>
-                <a:tab algn="l" pos="0"/>
-              </a:tabLst>
-            </a:pPr>
-            <a:r>
-              <a:rPr b="0" lang="it-IT" sz="1200" spc="-1" strike="noStrike">
-                <a:solidFill>
-                  <a:srgbClr val="000000"/>
-                </a:solidFill>
-                <a:latin typeface="Arial"/>
-                <a:ea typeface="Arial"/>
-              </a:rPr>
-              <a:t>D) Con una sola connessione  MQTT possiamo ricevere dati da un numero arbitrario di nodi di una rete</a:t>
-            </a:r>
-            <a:endParaRPr b="0" lang="en-US" sz="1200" spc="-1" strike="noStrike">
-              <a:solidFill>
-                <a:srgbClr val="000000"/>
-              </a:solidFill>
-              <a:latin typeface="Arial"/>
-            </a:endParaRPr>
-          </a:p>
-        </p:txBody>
       </p:sp>
     </p:spTree>
   </p:cSld>
@@ -1082,7 +546,7 @@
       </p:grpSpPr>
       <p:sp>
         <p:nvSpPr>
-          <p:cNvPr id="243" name="PlaceHolder 1"/>
+          <p:cNvPr id="229" name="PlaceHolder 1"/>
           <p:cNvSpPr>
             <a:spLocks noGrp="1"/>
           </p:cNvSpPr>
@@ -1141,7 +605,7 @@
                 <a:tab algn="l" pos="2895480"/>
               </a:tabLst>
             </a:pPr>
-            <a:fld id="{51F3A345-7A13-4FFD-90F3-25F68DCA206A}" type="slidenum">
+            <a:fld id="{06EA4B21-8564-40AB-83D1-A2EBCEEB13E4}" type="slidenum">
               <a:rPr b="0" lang="it-IT" sz="1400" spc="-1" strike="noStrike">
                 <a:solidFill>
                   <a:srgbClr val="000000"/>
@@ -1162,7 +626,7 @@
       </p:sp>
       <p:sp>
         <p:nvSpPr>
-          <p:cNvPr id="244" name="PlaceHolder 2"/>
+          <p:cNvPr id="230" name="PlaceHolder 2"/>
           <p:cNvSpPr>
             <a:spLocks noGrp="1"/>
           </p:cNvSpPr>
@@ -1182,220 +646,6 @@
             <a:noFill/>
           </a:ln>
         </p:spPr>
-      </p:sp>
-      <p:sp>
-        <p:nvSpPr>
-          <p:cNvPr id="245" name="PlaceHolder 3"/>
-          <p:cNvSpPr>
-            <a:spLocks noGrp="1"/>
-          </p:cNvSpPr>
-          <p:nvPr>
-            <p:ph type="body"/>
-          </p:nvPr>
-        </p:nvSpPr>
-        <p:spPr>
-          <a:xfrm>
-            <a:off x="755640" y="5078520"/>
-            <a:ext cx="6048000" cy="4811400"/>
-          </a:xfrm>
-          <a:prstGeom prst="rect">
-            <a:avLst/>
-          </a:prstGeom>
-          <a:noFill/>
-          <a:ln w="0">
-            <a:noFill/>
-          </a:ln>
-        </p:spPr>
-        <p:txBody>
-          <a:bodyPr lIns="91440" rIns="91440" tIns="91440" bIns="91440" anchor="ctr">
-            <a:noAutofit/>
-          </a:bodyPr>
-          <a:p>
-            <a:pPr marL="457200" indent="-298440">
-              <a:lnSpc>
-                <a:spcPct val="100000"/>
-              </a:lnSpc>
-              <a:buClr>
-                <a:srgbClr val="000000"/>
-              </a:buClr>
-              <a:buFont typeface="Arial"/>
-              <a:buChar char="●"/>
-            </a:pPr>
-            <a:r>
-              <a:rPr b="1" lang="it-IT" sz="1200" spc="-1" strike="noStrike">
-                <a:solidFill>
-                  <a:srgbClr val="000000"/>
-                </a:solidFill>
-                <a:latin typeface="Arial"/>
-                <a:ea typeface="Arial"/>
-              </a:rPr>
-              <a:t>L'Internet degli cose </a:t>
-            </a:r>
-            <a:r>
-              <a:rPr b="0" lang="it-IT" sz="1200" spc="-1" strike="noStrike">
-                <a:solidFill>
-                  <a:srgbClr val="000000"/>
-                </a:solidFill>
-                <a:latin typeface="Arial"/>
-                <a:ea typeface="Arial"/>
-              </a:rPr>
-              <a:t>è la rete di </a:t>
-            </a:r>
-            <a:br>
-              <a:rPr sz="1200"/>
-            </a:br>
-            <a:r>
-              <a:rPr b="0" lang="it-IT" sz="1200" spc="-1" strike="noStrike">
-                <a:solidFill>
-                  <a:srgbClr val="000000"/>
-                </a:solidFill>
-                <a:latin typeface="Arial"/>
-                <a:ea typeface="Arial"/>
-              </a:rPr>
-              <a:t>oggetti intelligenti che contengono </a:t>
-            </a:r>
-            <a:br>
-              <a:rPr sz="1200"/>
-            </a:br>
-            <a:r>
-              <a:rPr b="0" lang="it-IT" sz="1200" spc="-1" strike="noStrike">
-                <a:solidFill>
-                  <a:srgbClr val="000000"/>
-                </a:solidFill>
-                <a:latin typeface="Arial"/>
-                <a:ea typeface="Arial"/>
-              </a:rPr>
-              <a:t>una tecnologia incorporata per </a:t>
-            </a:r>
-            <a:br>
-              <a:rPr sz="1200"/>
-            </a:br>
-            <a:r>
-              <a:rPr b="0" lang="it-IT" sz="1200" spc="-1" strike="noStrike">
-                <a:solidFill>
-                  <a:srgbClr val="000000"/>
-                </a:solidFill>
-                <a:latin typeface="Arial"/>
-                <a:ea typeface="Arial"/>
-              </a:rPr>
-              <a:t>comunicare e percepire o interagire </a:t>
-            </a:r>
-            <a:br>
-              <a:rPr sz="1200"/>
-            </a:br>
-            <a:r>
-              <a:rPr b="0" lang="it-IT" sz="1200" spc="-1" strike="noStrike">
-                <a:solidFill>
-                  <a:srgbClr val="000000"/>
-                </a:solidFill>
-                <a:latin typeface="Arial"/>
-                <a:ea typeface="Arial"/>
-              </a:rPr>
-              <a:t>con l'ambiente esterno.</a:t>
-            </a:r>
-            <a:endParaRPr b="0" lang="en-US" sz="1200" spc="-1" strike="noStrike">
-              <a:solidFill>
-                <a:srgbClr val="000000"/>
-              </a:solidFill>
-              <a:latin typeface="Arial"/>
-            </a:endParaRPr>
-          </a:p>
-          <a:p>
-            <a:pPr indent="0">
-              <a:lnSpc>
-                <a:spcPct val="100000"/>
-              </a:lnSpc>
-              <a:buNone/>
-            </a:pPr>
-            <a:endParaRPr b="0" lang="en-US" sz="1200" spc="-1" strike="noStrike">
-              <a:solidFill>
-                <a:srgbClr val="000000"/>
-              </a:solidFill>
-              <a:latin typeface="Arial"/>
-            </a:endParaRPr>
-          </a:p>
-          <a:p>
-            <a:pPr marL="457200" indent="-298440">
-              <a:lnSpc>
-                <a:spcPct val="100000"/>
-              </a:lnSpc>
-              <a:buClr>
-                <a:srgbClr val="000000"/>
-              </a:buClr>
-              <a:buFont typeface="Arial"/>
-              <a:buChar char="●"/>
-            </a:pPr>
-            <a:r>
-              <a:rPr b="0" lang="it-IT" sz="1200" spc="-1" strike="noStrike">
-                <a:solidFill>
-                  <a:srgbClr val="000000"/>
-                </a:solidFill>
-                <a:latin typeface="Arial"/>
-                <a:ea typeface="Arial"/>
-              </a:rPr>
-              <a:t>Una volta che un oggetto intelligente </a:t>
-            </a:r>
-            <a:br>
-              <a:rPr sz="1200"/>
-            </a:br>
-            <a:r>
-              <a:rPr b="0" lang="it-IT" sz="1200" spc="-1" strike="noStrike">
-                <a:solidFill>
-                  <a:srgbClr val="000000"/>
-                </a:solidFill>
-                <a:latin typeface="Arial"/>
-                <a:ea typeface="Arial"/>
-              </a:rPr>
-              <a:t>viene connesso a Internet, </a:t>
-            </a:r>
-            <a:br>
-              <a:rPr sz="1200"/>
-            </a:br>
-            <a:r>
-              <a:rPr b="0" lang="it-IT" sz="1200" spc="-1" strike="noStrike">
-                <a:solidFill>
-                  <a:srgbClr val="000000"/>
-                </a:solidFill>
-                <a:latin typeface="Arial"/>
-                <a:ea typeface="Arial"/>
-              </a:rPr>
-              <a:t>i suoi servizi diventano parte </a:t>
-            </a:r>
-            <a:br>
-              <a:rPr sz="1200"/>
-            </a:br>
-            <a:r>
-              <a:rPr b="0" lang="it-IT" sz="1200" spc="-1" strike="noStrike">
-                <a:solidFill>
-                  <a:srgbClr val="000000"/>
-                </a:solidFill>
-                <a:latin typeface="Arial"/>
-                <a:ea typeface="Arial"/>
-              </a:rPr>
-              <a:t>della rete stessa</a:t>
-            </a:r>
-            <a:endParaRPr b="0" lang="en-US" sz="1200" spc="-1" strike="noStrike">
-              <a:solidFill>
-                <a:srgbClr val="000000"/>
-              </a:solidFill>
-              <a:latin typeface="Arial"/>
-            </a:endParaRPr>
-          </a:p>
-          <a:p>
-            <a:pPr indent="0">
-              <a:lnSpc>
-                <a:spcPct val="100000"/>
-              </a:lnSpc>
-              <a:buNone/>
-            </a:pPr>
-            <a:endParaRPr b="0" lang="en-US" sz="2400" spc="-1" strike="noStrike">
-              <a:solidFill>
-                <a:srgbClr val="000000"/>
-              </a:solidFill>
-              <a:latin typeface="Arial"/>
-            </a:endParaRPr>
-          </a:p>
-        </p:txBody>
       </p:sp>
     </p:spTree>
   </p:cSld>
@@ -1421,7 +671,7 @@
       </p:grpSpPr>
       <p:sp>
         <p:nvSpPr>
-          <p:cNvPr id="246" name="PlaceHolder 1"/>
+          <p:cNvPr id="231" name="PlaceHolder 1"/>
           <p:cNvSpPr>
             <a:spLocks noGrp="1"/>
           </p:cNvSpPr>
@@ -1480,7 +730,7 @@
                 <a:tab algn="l" pos="2895480"/>
               </a:tabLst>
             </a:pPr>
-            <a:fld id="{4D837481-DAB8-4526-A221-576DDD4942EE}" type="slidenum">
+            <a:fld id="{2889A810-22D9-4298-B2C3-44C31D66A622}" type="slidenum">
               <a:rPr b="0" lang="it-IT" sz="1400" spc="-1" strike="noStrike">
                 <a:solidFill>
                   <a:srgbClr val="000000"/>
@@ -1501,7 +751,7 @@
       </p:sp>
       <p:sp>
         <p:nvSpPr>
-          <p:cNvPr id="247" name="PlaceHolder 2"/>
+          <p:cNvPr id="232" name="PlaceHolder 2"/>
           <p:cNvSpPr>
             <a:spLocks noGrp="1"/>
           </p:cNvSpPr>
@@ -1521,220 +771,6 @@
             <a:noFill/>
           </a:ln>
         </p:spPr>
-      </p:sp>
-      <p:sp>
-        <p:nvSpPr>
-          <p:cNvPr id="248" name="PlaceHolder 3"/>
-          <p:cNvSpPr>
-            <a:spLocks noGrp="1"/>
-          </p:cNvSpPr>
-          <p:nvPr>
-            <p:ph type="body"/>
-          </p:nvPr>
-        </p:nvSpPr>
-        <p:spPr>
-          <a:xfrm>
-            <a:off x="755640" y="5078520"/>
-            <a:ext cx="6048000" cy="4811400"/>
-          </a:xfrm>
-          <a:prstGeom prst="rect">
-            <a:avLst/>
-          </a:prstGeom>
-          <a:noFill/>
-          <a:ln w="0">
-            <a:noFill/>
-          </a:ln>
-        </p:spPr>
-        <p:txBody>
-          <a:bodyPr lIns="91440" rIns="91440" tIns="91440" bIns="91440" anchor="ctr">
-            <a:noAutofit/>
-          </a:bodyPr>
-          <a:p>
-            <a:pPr marL="457200" indent="-298440">
-              <a:lnSpc>
-                <a:spcPct val="100000"/>
-              </a:lnSpc>
-              <a:buClr>
-                <a:srgbClr val="000000"/>
-              </a:buClr>
-              <a:buFont typeface="Arial"/>
-              <a:buChar char="●"/>
-            </a:pPr>
-            <a:r>
-              <a:rPr b="1" lang="it-IT" sz="1200" spc="-1" strike="noStrike">
-                <a:solidFill>
-                  <a:srgbClr val="000000"/>
-                </a:solidFill>
-                <a:latin typeface="Arial"/>
-                <a:ea typeface="Arial"/>
-              </a:rPr>
-              <a:t>L'Internet degli cose </a:t>
-            </a:r>
-            <a:r>
-              <a:rPr b="0" lang="it-IT" sz="1200" spc="-1" strike="noStrike">
-                <a:solidFill>
-                  <a:srgbClr val="000000"/>
-                </a:solidFill>
-                <a:latin typeface="Arial"/>
-                <a:ea typeface="Arial"/>
-              </a:rPr>
-              <a:t>è la rete di </a:t>
-            </a:r>
-            <a:br>
-              <a:rPr sz="1200"/>
-            </a:br>
-            <a:r>
-              <a:rPr b="0" lang="it-IT" sz="1200" spc="-1" strike="noStrike">
-                <a:solidFill>
-                  <a:srgbClr val="000000"/>
-                </a:solidFill>
-                <a:latin typeface="Arial"/>
-                <a:ea typeface="Arial"/>
-              </a:rPr>
-              <a:t>oggetti intelligenti che contengono </a:t>
-            </a:r>
-            <a:br>
-              <a:rPr sz="1200"/>
-            </a:br>
-            <a:r>
-              <a:rPr b="0" lang="it-IT" sz="1200" spc="-1" strike="noStrike">
-                <a:solidFill>
-                  <a:srgbClr val="000000"/>
-                </a:solidFill>
-                <a:latin typeface="Arial"/>
-                <a:ea typeface="Arial"/>
-              </a:rPr>
-              <a:t>una tecnologia incorporata per </a:t>
-            </a:r>
-            <a:br>
-              <a:rPr sz="1200"/>
-            </a:br>
-            <a:r>
-              <a:rPr b="0" lang="it-IT" sz="1200" spc="-1" strike="noStrike">
-                <a:solidFill>
-                  <a:srgbClr val="000000"/>
-                </a:solidFill>
-                <a:latin typeface="Arial"/>
-                <a:ea typeface="Arial"/>
-              </a:rPr>
-              <a:t>comunicare e percepire o interagire </a:t>
-            </a:r>
-            <a:br>
-              <a:rPr sz="1200"/>
-            </a:br>
-            <a:r>
-              <a:rPr b="0" lang="it-IT" sz="1200" spc="-1" strike="noStrike">
-                <a:solidFill>
-                  <a:srgbClr val="000000"/>
-                </a:solidFill>
-                <a:latin typeface="Arial"/>
-                <a:ea typeface="Arial"/>
-              </a:rPr>
-              <a:t>con l'ambiente esterno.</a:t>
-            </a:r>
-            <a:endParaRPr b="0" lang="en-US" sz="1200" spc="-1" strike="noStrike">
-              <a:solidFill>
-                <a:srgbClr val="000000"/>
-              </a:solidFill>
-              <a:latin typeface="Arial"/>
-            </a:endParaRPr>
-          </a:p>
-          <a:p>
-            <a:pPr indent="0">
-              <a:lnSpc>
-                <a:spcPct val="100000"/>
-              </a:lnSpc>
-              <a:buNone/>
-            </a:pPr>
-            <a:endParaRPr b="0" lang="en-US" sz="1200" spc="-1" strike="noStrike">
-              <a:solidFill>
-                <a:srgbClr val="000000"/>
-              </a:solidFill>
-              <a:latin typeface="Arial"/>
-            </a:endParaRPr>
-          </a:p>
-          <a:p>
-            <a:pPr marL="457200" indent="-298440">
-              <a:lnSpc>
-                <a:spcPct val="100000"/>
-              </a:lnSpc>
-              <a:buClr>
-                <a:srgbClr val="000000"/>
-              </a:buClr>
-              <a:buFont typeface="Arial"/>
-              <a:buChar char="●"/>
-            </a:pPr>
-            <a:r>
-              <a:rPr b="0" lang="it-IT" sz="1200" spc="-1" strike="noStrike">
-                <a:solidFill>
-                  <a:srgbClr val="000000"/>
-                </a:solidFill>
-                <a:latin typeface="Arial"/>
-                <a:ea typeface="Arial"/>
-              </a:rPr>
-              <a:t>Una volta che un oggetto intelligente </a:t>
-            </a:r>
-            <a:br>
-              <a:rPr sz="1200"/>
-            </a:br>
-            <a:r>
-              <a:rPr b="0" lang="it-IT" sz="1200" spc="-1" strike="noStrike">
-                <a:solidFill>
-                  <a:srgbClr val="000000"/>
-                </a:solidFill>
-                <a:latin typeface="Arial"/>
-                <a:ea typeface="Arial"/>
-              </a:rPr>
-              <a:t>viene connesso a Internet, </a:t>
-            </a:r>
-            <a:br>
-              <a:rPr sz="1200"/>
-            </a:br>
-            <a:r>
-              <a:rPr b="0" lang="it-IT" sz="1200" spc="-1" strike="noStrike">
-                <a:solidFill>
-                  <a:srgbClr val="000000"/>
-                </a:solidFill>
-                <a:latin typeface="Arial"/>
-                <a:ea typeface="Arial"/>
-              </a:rPr>
-              <a:t>i suoi servizi diventano parte </a:t>
-            </a:r>
-            <a:br>
-              <a:rPr sz="1200"/>
-            </a:br>
-            <a:r>
-              <a:rPr b="0" lang="it-IT" sz="1200" spc="-1" strike="noStrike">
-                <a:solidFill>
-                  <a:srgbClr val="000000"/>
-                </a:solidFill>
-                <a:latin typeface="Arial"/>
-                <a:ea typeface="Arial"/>
-              </a:rPr>
-              <a:t>della rete stessa</a:t>
-            </a:r>
-            <a:endParaRPr b="0" lang="en-US" sz="1200" spc="-1" strike="noStrike">
-              <a:solidFill>
-                <a:srgbClr val="000000"/>
-              </a:solidFill>
-              <a:latin typeface="Arial"/>
-            </a:endParaRPr>
-          </a:p>
-          <a:p>
-            <a:pPr indent="0">
-              <a:lnSpc>
-                <a:spcPct val="100000"/>
-              </a:lnSpc>
-              <a:buNone/>
-            </a:pPr>
-            <a:endParaRPr b="0" lang="en-US" sz="2400" spc="-1" strike="noStrike">
-              <a:solidFill>
-                <a:srgbClr val="000000"/>
-              </a:solidFill>
-              <a:latin typeface="Arial"/>
-            </a:endParaRPr>
-          </a:p>
-        </p:txBody>
       </p:sp>
     </p:spTree>
   </p:cSld>
@@ -1760,7 +796,7 @@
       </p:grpSpPr>
       <p:sp>
         <p:nvSpPr>
-          <p:cNvPr id="249" name="PlaceHolder 1"/>
+          <p:cNvPr id="233" name="PlaceHolder 1"/>
           <p:cNvSpPr>
             <a:spLocks noGrp="1"/>
           </p:cNvSpPr>
@@ -1819,7 +855,7 @@
                 <a:tab algn="l" pos="2895480"/>
               </a:tabLst>
             </a:pPr>
-            <a:fld id="{000611CF-55CF-4D85-81AB-62F02045A36E}" type="slidenum">
+            <a:fld id="{59A1E7C6-234F-4821-B767-BBBA36535F73}" type="slidenum">
               <a:rPr b="0" lang="it-IT" sz="1400" spc="-1" strike="noStrike">
                 <a:solidFill>
                   <a:srgbClr val="000000"/>
@@ -1840,7 +876,7 @@
       </p:sp>
       <p:sp>
         <p:nvSpPr>
-          <p:cNvPr id="250" name="PlaceHolder 2"/>
+          <p:cNvPr id="234" name="PlaceHolder 2"/>
           <p:cNvSpPr>
             <a:spLocks noGrp="1"/>
           </p:cNvSpPr>
@@ -1860,220 +896,6 @@
             <a:noFill/>
           </a:ln>
         </p:spPr>
-      </p:sp>
-      <p:sp>
-        <p:nvSpPr>
-          <p:cNvPr id="251" name="PlaceHolder 3"/>
-          <p:cNvSpPr>
-            <a:spLocks noGrp="1"/>
-          </p:cNvSpPr>
-          <p:nvPr>
-            <p:ph type="body"/>
-          </p:nvPr>
-        </p:nvSpPr>
-        <p:spPr>
-          <a:xfrm>
-            <a:off x="755640" y="5078520"/>
-            <a:ext cx="6048000" cy="4811400"/>
-          </a:xfrm>
-          <a:prstGeom prst="rect">
-            <a:avLst/>
-          </a:prstGeom>
-          <a:noFill/>
-          <a:ln w="0">
-            <a:noFill/>
-          </a:ln>
-        </p:spPr>
-        <p:txBody>
-          <a:bodyPr lIns="91440" rIns="91440" tIns="91440" bIns="91440" anchor="ctr">
-            <a:noAutofit/>
-          </a:bodyPr>
-          <a:p>
-            <a:pPr marL="457200" indent="-298440">
-              <a:lnSpc>
-                <a:spcPct val="100000"/>
-              </a:lnSpc>
-              <a:buClr>
-                <a:srgbClr val="000000"/>
-              </a:buClr>
-              <a:buFont typeface="Arial"/>
-              <a:buChar char="●"/>
-            </a:pPr>
-            <a:r>
-              <a:rPr b="1" lang="it-IT" sz="1200" spc="-1" strike="noStrike">
-                <a:solidFill>
-                  <a:srgbClr val="000000"/>
-                </a:solidFill>
-                <a:latin typeface="Arial"/>
-                <a:ea typeface="Arial"/>
-              </a:rPr>
-              <a:t>L'Internet degli cose </a:t>
-            </a:r>
-            <a:r>
-              <a:rPr b="0" lang="it-IT" sz="1200" spc="-1" strike="noStrike">
-                <a:solidFill>
-                  <a:srgbClr val="000000"/>
-                </a:solidFill>
-                <a:latin typeface="Arial"/>
-                <a:ea typeface="Arial"/>
-              </a:rPr>
-              <a:t>è la rete di </a:t>
-            </a:r>
-            <a:br>
-              <a:rPr sz="1200"/>
-            </a:br>
-            <a:r>
-              <a:rPr b="0" lang="it-IT" sz="1200" spc="-1" strike="noStrike">
-                <a:solidFill>
-                  <a:srgbClr val="000000"/>
-                </a:solidFill>
-                <a:latin typeface="Arial"/>
-                <a:ea typeface="Arial"/>
-              </a:rPr>
-              <a:t>oggetti intelligenti che contengono </a:t>
-            </a:r>
-            <a:br>
-              <a:rPr sz="1200"/>
-            </a:br>
-            <a:r>
-              <a:rPr b="0" lang="it-IT" sz="1200" spc="-1" strike="noStrike">
-                <a:solidFill>
-                  <a:srgbClr val="000000"/>
-                </a:solidFill>
-                <a:latin typeface="Arial"/>
-                <a:ea typeface="Arial"/>
-              </a:rPr>
-              <a:t>una tecnologia incorporata per </a:t>
-            </a:r>
-            <a:br>
-              <a:rPr sz="1200"/>
-            </a:br>
-            <a:r>
-              <a:rPr b="0" lang="it-IT" sz="1200" spc="-1" strike="noStrike">
-                <a:solidFill>
-                  <a:srgbClr val="000000"/>
-                </a:solidFill>
-                <a:latin typeface="Arial"/>
-                <a:ea typeface="Arial"/>
-              </a:rPr>
-              <a:t>comunicare e percepire o interagire </a:t>
-            </a:r>
-            <a:br>
-              <a:rPr sz="1200"/>
-            </a:br>
-            <a:r>
-              <a:rPr b="0" lang="it-IT" sz="1200" spc="-1" strike="noStrike">
-                <a:solidFill>
-                  <a:srgbClr val="000000"/>
-                </a:solidFill>
-                <a:latin typeface="Arial"/>
-                <a:ea typeface="Arial"/>
-              </a:rPr>
-              <a:t>con l'ambiente esterno.</a:t>
-            </a:r>
-            <a:endParaRPr b="0" lang="en-US" sz="1200" spc="-1" strike="noStrike">
-              <a:solidFill>
-                <a:srgbClr val="000000"/>
-              </a:solidFill>
-              <a:latin typeface="Arial"/>
-            </a:endParaRPr>
-          </a:p>
-          <a:p>
-            <a:pPr indent="0">
-              <a:lnSpc>
-                <a:spcPct val="100000"/>
-              </a:lnSpc>
-              <a:buNone/>
-            </a:pPr>
-            <a:endParaRPr b="0" lang="en-US" sz="1200" spc="-1" strike="noStrike">
-              <a:solidFill>
-                <a:srgbClr val="000000"/>
-              </a:solidFill>
-              <a:latin typeface="Arial"/>
-            </a:endParaRPr>
-          </a:p>
-          <a:p>
-            <a:pPr marL="457200" indent="-298440">
-              <a:lnSpc>
-                <a:spcPct val="100000"/>
-              </a:lnSpc>
-              <a:buClr>
-                <a:srgbClr val="000000"/>
-              </a:buClr>
-              <a:buFont typeface="Arial"/>
-              <a:buChar char="●"/>
-            </a:pPr>
-            <a:r>
-              <a:rPr b="0" lang="it-IT" sz="1200" spc="-1" strike="noStrike">
-                <a:solidFill>
-                  <a:srgbClr val="000000"/>
-                </a:solidFill>
-                <a:latin typeface="Arial"/>
-                <a:ea typeface="Arial"/>
-              </a:rPr>
-              <a:t>Una volta che un oggetto intelligente </a:t>
-            </a:r>
-            <a:br>
-              <a:rPr sz="1200"/>
-            </a:br>
-            <a:r>
-              <a:rPr b="0" lang="it-IT" sz="1200" spc="-1" strike="noStrike">
-                <a:solidFill>
-                  <a:srgbClr val="000000"/>
-                </a:solidFill>
-                <a:latin typeface="Arial"/>
-                <a:ea typeface="Arial"/>
-              </a:rPr>
-              <a:t>viene connesso a Internet, </a:t>
-            </a:r>
-            <a:br>
-              <a:rPr sz="1200"/>
-            </a:br>
-            <a:r>
-              <a:rPr b="0" lang="it-IT" sz="1200" spc="-1" strike="noStrike">
-                <a:solidFill>
-                  <a:srgbClr val="000000"/>
-                </a:solidFill>
-                <a:latin typeface="Arial"/>
-                <a:ea typeface="Arial"/>
-              </a:rPr>
-              <a:t>i suoi servizi diventano parte </a:t>
-            </a:r>
-            <a:br>
-              <a:rPr sz="1200"/>
-            </a:br>
-            <a:r>
-              <a:rPr b="0" lang="it-IT" sz="1200" spc="-1" strike="noStrike">
-                <a:solidFill>
-                  <a:srgbClr val="000000"/>
-                </a:solidFill>
-                <a:latin typeface="Arial"/>
-                <a:ea typeface="Arial"/>
-              </a:rPr>
-              <a:t>della rete stessa</a:t>
-            </a:r>
-            <a:endParaRPr b="0" lang="en-US" sz="1200" spc="-1" strike="noStrike">
-              <a:solidFill>
-                <a:srgbClr val="000000"/>
-              </a:solidFill>
-              <a:latin typeface="Arial"/>
-            </a:endParaRPr>
-          </a:p>
-          <a:p>
-            <a:pPr indent="0">
-              <a:lnSpc>
-                <a:spcPct val="100000"/>
-              </a:lnSpc>
-              <a:buNone/>
-            </a:pPr>
-            <a:endParaRPr b="0" lang="en-US" sz="2400" spc="-1" strike="noStrike">
-              <a:solidFill>
-                <a:srgbClr val="000000"/>
-              </a:solidFill>
-              <a:latin typeface="Arial"/>
-            </a:endParaRPr>
-          </a:p>
-        </p:txBody>
       </p:sp>
     </p:spTree>
   </p:cSld>
@@ -2099,7 +921,7 @@
       </p:grpSpPr>
       <p:sp>
         <p:nvSpPr>
-          <p:cNvPr id="252" name="PlaceHolder 1"/>
+          <p:cNvPr id="235" name="PlaceHolder 1"/>
           <p:cNvSpPr>
             <a:spLocks noGrp="1"/>
           </p:cNvSpPr>
@@ -2158,7 +980,7 @@
                 <a:tab algn="l" pos="2895480"/>
               </a:tabLst>
             </a:pPr>
-            <a:fld id="{810522FD-6217-4A76-A233-7252FE6F1163}" type="slidenum">
+            <a:fld id="{0037312A-C7A9-4CF9-AF11-002A4548F90E}" type="slidenum">
               <a:rPr b="0" lang="it-IT" sz="1400" spc="-1" strike="noStrike">
                 <a:solidFill>
                   <a:srgbClr val="000000"/>
@@ -2179,7 +1001,7 @@
       </p:sp>
       <p:sp>
         <p:nvSpPr>
-          <p:cNvPr id="253" name="PlaceHolder 2"/>
+          <p:cNvPr id="236" name="PlaceHolder 2"/>
           <p:cNvSpPr>
             <a:spLocks noGrp="1"/>
           </p:cNvSpPr>
@@ -2191,586 +1013,6 @@
           <a:xfrm>
             <a:off x="1106640" y="812880"/>
             <a:ext cx="5344920" cy="4008240"/>
-          </a:xfrm>
-          <a:prstGeom prst="rect">
-            <a:avLst/>
-          </a:prstGeom>
-          <a:ln w="0">
-            <a:noFill/>
-          </a:ln>
-        </p:spPr>
-      </p:sp>
-      <p:sp>
-        <p:nvSpPr>
-          <p:cNvPr id="254" name="PlaceHolder 3"/>
-          <p:cNvSpPr>
-            <a:spLocks noGrp="1"/>
-          </p:cNvSpPr>
-          <p:nvPr>
-            <p:ph type="body"/>
-          </p:nvPr>
-        </p:nvSpPr>
-        <p:spPr>
-          <a:xfrm>
-            <a:off x="755640" y="5078520"/>
-            <a:ext cx="6048000" cy="4811400"/>
-          </a:xfrm>
-          <a:prstGeom prst="rect">
-            <a:avLst/>
-          </a:prstGeom>
-          <a:noFill/>
-          <a:ln w="0">
-            <a:noFill/>
-          </a:ln>
-        </p:spPr>
-        <p:txBody>
-          <a:bodyPr lIns="91440" rIns="91440" tIns="91440" bIns="91440" anchor="ctr">
-            <a:noAutofit/>
-          </a:bodyPr>
-          <a:p>
-            <a:pPr marL="457200" indent="-298440">
-              <a:lnSpc>
-                <a:spcPct val="100000"/>
-              </a:lnSpc>
-              <a:buClr>
-                <a:srgbClr val="000000"/>
-              </a:buClr>
-              <a:buFont typeface="Arial"/>
-              <a:buChar char="●"/>
-            </a:pPr>
-            <a:r>
-              <a:rPr b="1" lang="it-IT" sz="1200" spc="-1" strike="noStrike">
-                <a:solidFill>
-                  <a:srgbClr val="000000"/>
-                </a:solidFill>
-                <a:latin typeface="Arial"/>
-                <a:ea typeface="Arial"/>
-              </a:rPr>
-              <a:t>L'Internet degli cose </a:t>
-            </a:r>
-            <a:r>
-              <a:rPr b="0" lang="it-IT" sz="1200" spc="-1" strike="noStrike">
-                <a:solidFill>
-                  <a:srgbClr val="000000"/>
-                </a:solidFill>
-                <a:latin typeface="Arial"/>
-                <a:ea typeface="Arial"/>
-              </a:rPr>
-              <a:t>è la rete di </a:t>
-            </a:r>
-            <a:br>
-              <a:rPr sz="1200"/>
-            </a:br>
-            <a:r>
-              <a:rPr b="0" lang="it-IT" sz="1200" spc="-1" strike="noStrike">
-                <a:solidFill>
-                  <a:srgbClr val="000000"/>
-                </a:solidFill>
-                <a:latin typeface="Arial"/>
-                <a:ea typeface="Arial"/>
-              </a:rPr>
-              <a:t>oggetti intelligenti che contengono </a:t>
-            </a:r>
-            <a:br>
-              <a:rPr sz="1200"/>
-            </a:br>
-            <a:r>
-              <a:rPr b="0" lang="it-IT" sz="1200" spc="-1" strike="noStrike">
-                <a:solidFill>
-                  <a:srgbClr val="000000"/>
-                </a:solidFill>
-                <a:latin typeface="Arial"/>
-                <a:ea typeface="Arial"/>
-              </a:rPr>
-              <a:t>una tecnologia incorporata per </a:t>
-            </a:r>
-            <a:br>
-              <a:rPr sz="1200"/>
-            </a:br>
-            <a:r>
-              <a:rPr b="0" lang="it-IT" sz="1200" spc="-1" strike="noStrike">
-                <a:solidFill>
-                  <a:srgbClr val="000000"/>
-                </a:solidFill>
-                <a:latin typeface="Arial"/>
-                <a:ea typeface="Arial"/>
-              </a:rPr>
-              <a:t>comunicare e percepire o interagire </a:t>
-            </a:r>
-            <a:br>
-              <a:rPr sz="1200"/>
-            </a:br>
-            <a:r>
-              <a:rPr b="0" lang="it-IT" sz="1200" spc="-1" strike="noStrike">
-                <a:solidFill>
-                  <a:srgbClr val="000000"/>
-                </a:solidFill>
-                <a:latin typeface="Arial"/>
-                <a:ea typeface="Arial"/>
-              </a:rPr>
-              <a:t>con l'ambiente esterno.</a:t>
-            </a:r>
-            <a:endParaRPr b="0" lang="en-US" sz="1200" spc="-1" strike="noStrike">
-              <a:solidFill>
-                <a:srgbClr val="000000"/>
-              </a:solidFill>
-              <a:latin typeface="Arial"/>
-            </a:endParaRPr>
-          </a:p>
-          <a:p>
-            <a:pPr indent="0">
-              <a:lnSpc>
-                <a:spcPct val="100000"/>
-              </a:lnSpc>
-              <a:buNone/>
-            </a:pPr>
-            <a:endParaRPr b="0" lang="en-US" sz="1200" spc="-1" strike="noStrike">
-              <a:solidFill>
-                <a:srgbClr val="000000"/>
-              </a:solidFill>
-              <a:latin typeface="Arial"/>
-            </a:endParaRPr>
-          </a:p>
-          <a:p>
-            <a:pPr marL="457200" indent="-298440">
-              <a:lnSpc>
-                <a:spcPct val="100000"/>
-              </a:lnSpc>
-              <a:buClr>
-                <a:srgbClr val="000000"/>
-              </a:buClr>
-              <a:buFont typeface="Arial"/>
-              <a:buChar char="●"/>
-            </a:pPr>
-            <a:r>
-              <a:rPr b="0" lang="it-IT" sz="1200" spc="-1" strike="noStrike">
-                <a:solidFill>
-                  <a:srgbClr val="000000"/>
-                </a:solidFill>
-                <a:latin typeface="Arial"/>
-                <a:ea typeface="Arial"/>
-              </a:rPr>
-              <a:t>Una volta che un oggetto intelligente </a:t>
-            </a:r>
-            <a:br>
-              <a:rPr sz="1200"/>
-            </a:br>
-            <a:r>
-              <a:rPr b="0" lang="it-IT" sz="1200" spc="-1" strike="noStrike">
-                <a:solidFill>
-                  <a:srgbClr val="000000"/>
-                </a:solidFill>
-                <a:latin typeface="Arial"/>
-                <a:ea typeface="Arial"/>
-              </a:rPr>
-              <a:t>viene connesso a Internet, </a:t>
-            </a:r>
-            <a:br>
-              <a:rPr sz="1200"/>
-            </a:br>
-            <a:r>
-              <a:rPr b="0" lang="it-IT" sz="1200" spc="-1" strike="noStrike">
-                <a:solidFill>
-                  <a:srgbClr val="000000"/>
-                </a:solidFill>
-                <a:latin typeface="Arial"/>
-                <a:ea typeface="Arial"/>
-              </a:rPr>
-              <a:t>i suoi servizi diventano parte </a:t>
-            </a:r>
-            <a:br>
-              <a:rPr sz="1200"/>
-            </a:br>
-            <a:r>
-              <a:rPr b="0" lang="it-IT" sz="1200" spc="-1" strike="noStrike">
-                <a:solidFill>
-                  <a:srgbClr val="000000"/>
-                </a:solidFill>
-                <a:latin typeface="Arial"/>
-                <a:ea typeface="Arial"/>
-              </a:rPr>
-              <a:t>della rete stessa</a:t>
-            </a:r>
-            <a:endParaRPr b="0" lang="en-US" sz="1200" spc="-1" strike="noStrike">
-              <a:solidFill>
-                <a:srgbClr val="000000"/>
-              </a:solidFill>
-              <a:latin typeface="Arial"/>
-            </a:endParaRPr>
-          </a:p>
-          <a:p>
-            <a:pPr indent="0">
-              <a:lnSpc>
-                <a:spcPct val="100000"/>
-              </a:lnSpc>
-              <a:buNone/>
-            </a:pPr>
-            <a:endParaRPr b="0" lang="en-US" sz="2400" spc="-1" strike="noStrike">
-              <a:solidFill>
-                <a:srgbClr val="000000"/>
-              </a:solidFill>
-              <a:latin typeface="Arial"/>
-            </a:endParaRPr>
-          </a:p>
-        </p:txBody>
-      </p:sp>
-    </p:spTree>
-  </p:cSld>
-</p:notes>
-</file>
-
-<file path=ppt/notesSlides/notesSlide16.xml><?xml version="1.0" encoding="utf-8"?>
-<p:notes xmlns:a="http://schemas.openxmlformats.org/drawingml/2006/main" xmlns:p="http://schemas.openxmlformats.org/presentationml/2006/main" xmlns:r="http://schemas.openxmlformats.org/officeDocument/2006/relationships" xmlns:p14="http://schemas.microsoft.com/office/powerpoint/2010/main" xmlns:p15="http://schemas.microsoft.com/office/powerpoint/2012/main" xmlns:mc="http://schemas.openxmlformats.org/markup-compatibility/2006">
-  <p:cSld>
-    <p:spTree>
-      <p:nvGrpSpPr>
-        <p:cNvPr id="1" name=""/>
-        <p:cNvGrpSpPr/>
-        <p:nvPr/>
-      </p:nvGrpSpPr>
-      <p:grpSpPr>
-        <a:xfrm>
-          <a:off x="0" y="0"/>
-          <a:ext cx="0" cy="0"/>
-          <a:chOff x="0" y="0"/>
-          <a:chExt cx="0" cy="0"/>
-        </a:xfrm>
-      </p:grpSpPr>
-      <p:sp>
-        <p:nvSpPr>
-          <p:cNvPr id="255" name="PlaceHolder 1"/>
-          <p:cNvSpPr>
-            <a:spLocks noGrp="1"/>
-          </p:cNvSpPr>
-          <p:nvPr>
-            <p:ph type="sldImg"/>
-          </p:nvPr>
-        </p:nvSpPr>
-        <p:spPr>
-          <a:xfrm>
-            <a:off x="1108080" y="801720"/>
-            <a:ext cx="5344920" cy="4009680"/>
-          </a:xfrm>
-          <a:prstGeom prst="rect">
-            <a:avLst/>
-          </a:prstGeom>
-          <a:ln w="0">
-            <a:noFill/>
-          </a:ln>
-        </p:spPr>
-      </p:sp>
-      <p:sp>
-        <p:nvSpPr>
-          <p:cNvPr id="256" name="PlaceHolder 2"/>
-          <p:cNvSpPr>
-            <a:spLocks noGrp="1"/>
-          </p:cNvSpPr>
-          <p:nvPr>
-            <p:ph type="body"/>
-          </p:nvPr>
-        </p:nvSpPr>
-        <p:spPr>
-          <a:xfrm>
-            <a:off x="756000" y="5078520"/>
-            <a:ext cx="6047280" cy="4811040"/>
-          </a:xfrm>
-          <a:prstGeom prst="rect">
-            <a:avLst/>
-          </a:prstGeom>
-          <a:noFill/>
-          <a:ln w="0">
-            <a:noFill/>
-          </a:ln>
-        </p:spPr>
-        <p:txBody>
-          <a:bodyPr lIns="91440" rIns="91440" tIns="91440" bIns="91440" anchor="t">
-            <a:noAutofit/>
-          </a:bodyPr>
-          <a:p>
-            <a:pPr marL="158760" indent="0">
-              <a:lnSpc>
-                <a:spcPct val="100000"/>
-              </a:lnSpc>
-              <a:buNone/>
-              <a:tabLst>
-                <a:tab algn="l" pos="0"/>
-              </a:tabLst>
-            </a:pPr>
-            <a:r>
-              <a:rPr b="0" lang="it-IT" sz="1200" spc="-1" strike="noStrike">
-                <a:solidFill>
-                  <a:srgbClr val="000000"/>
-                </a:solidFill>
-                <a:latin typeface="Arial"/>
-                <a:ea typeface="Arial"/>
-              </a:rPr>
-              <a:t>Quale affermazione è vera?</a:t>
-            </a:r>
-            <a:br>
-              <a:rPr sz="1200"/>
-            </a:br>
-            <a:br>
-              <a:rPr sz="1200"/>
-            </a:br>
-            <a:r>
-              <a:rPr b="0" lang="it-IT" sz="1200" spc="-1" strike="noStrike">
-                <a:solidFill>
-                  <a:srgbClr val="000000"/>
-                </a:solidFill>
-                <a:latin typeface="Arial"/>
-                <a:ea typeface="Arial"/>
-              </a:rPr>
-              <a:t>A) HTTP è un protocollo asincrono mentre MQTT è un protocollo sincrono</a:t>
-            </a:r>
-            <a:br>
-              <a:rPr sz="1200"/>
-            </a:br>
-            <a:br>
-              <a:rPr sz="1200"/>
-            </a:br>
-            <a:r>
-              <a:rPr b="0" lang="it-IT" sz="1200" spc="-1" strike="noStrike">
-                <a:solidFill>
-                  <a:srgbClr val="000000"/>
-                </a:solidFill>
-                <a:latin typeface="Arial"/>
-                <a:ea typeface="Arial"/>
-              </a:rPr>
-              <a:t>B) Quando una richiesta HTTP ha successo si possono poi ricevere sequenze di ad intervalli regolari</a:t>
-            </a:r>
-            <a:endParaRPr b="0" lang="en-US" sz="1200" spc="-1" strike="noStrike">
-              <a:solidFill>
-                <a:srgbClr val="000000"/>
-              </a:solidFill>
-              <a:latin typeface="Arial"/>
-            </a:endParaRPr>
-          </a:p>
-          <a:p>
-            <a:pPr marL="158760" indent="0">
-              <a:lnSpc>
-                <a:spcPct val="100000"/>
-              </a:lnSpc>
-              <a:buNone/>
-              <a:tabLst>
-                <a:tab algn="l" pos="0"/>
-              </a:tabLst>
-            </a:pPr>
-            <a:endParaRPr b="0" lang="en-US" sz="1200" spc="-1" strike="noStrike">
-              <a:solidFill>
-                <a:srgbClr val="000000"/>
-              </a:solidFill>
-              <a:latin typeface="Arial"/>
-            </a:endParaRPr>
-          </a:p>
-          <a:p>
-            <a:pPr marL="158760" indent="0">
-              <a:lnSpc>
-                <a:spcPct val="100000"/>
-              </a:lnSpc>
-              <a:buNone/>
-              <a:tabLst>
-                <a:tab algn="l" pos="0"/>
-              </a:tabLst>
-            </a:pPr>
-            <a:r>
-              <a:rPr b="0" lang="it-IT" sz="1200" spc="-1" strike="noStrike">
-                <a:solidFill>
-                  <a:srgbClr val="000000"/>
-                </a:solidFill>
-                <a:latin typeface="Arial"/>
-                <a:ea typeface="Arial"/>
-              </a:rPr>
-              <a:t>C) MQTT è un protocollo client/server</a:t>
-            </a:r>
-            <a:endParaRPr b="0" lang="en-US" sz="1200" spc="-1" strike="noStrike">
-              <a:solidFill>
-                <a:srgbClr val="000000"/>
-              </a:solidFill>
-              <a:latin typeface="Arial"/>
-            </a:endParaRPr>
-          </a:p>
-          <a:p>
-            <a:pPr marL="158760" indent="0">
-              <a:lnSpc>
-                <a:spcPct val="100000"/>
-              </a:lnSpc>
-              <a:buNone/>
-              <a:tabLst>
-                <a:tab algn="l" pos="0"/>
-              </a:tabLst>
-            </a:pPr>
-            <a:endParaRPr b="0" lang="en-US" sz="1200" spc="-1" strike="noStrike">
-              <a:solidFill>
-                <a:srgbClr val="000000"/>
-              </a:solidFill>
-              <a:latin typeface="Arial"/>
-            </a:endParaRPr>
-          </a:p>
-          <a:p>
-            <a:pPr marL="158760" indent="0">
-              <a:lnSpc>
-                <a:spcPct val="100000"/>
-              </a:lnSpc>
-              <a:buNone/>
-              <a:tabLst>
-                <a:tab algn="l" pos="0"/>
-              </a:tabLst>
-            </a:pPr>
-            <a:r>
-              <a:rPr b="0" lang="it-IT" sz="1200" spc="-1" strike="noStrike">
-                <a:solidFill>
-                  <a:srgbClr val="000000"/>
-                </a:solidFill>
-                <a:latin typeface="Arial"/>
-                <a:ea typeface="Arial"/>
-              </a:rPr>
-              <a:t>D) Con una sola connessione  MQTT possiamo ricevere dati da un numero arbitrario di nodi di una rete</a:t>
-            </a:r>
-            <a:endParaRPr b="0" lang="en-US" sz="1200" spc="-1" strike="noStrike">
-              <a:solidFill>
-                <a:srgbClr val="000000"/>
-              </a:solidFill>
-              <a:latin typeface="Arial"/>
-            </a:endParaRPr>
-          </a:p>
-        </p:txBody>
-      </p:sp>
-    </p:spTree>
-  </p:cSld>
-</p:notes>
-</file>
-
-<file path=ppt/notesSlides/notesSlide17.xml><?xml version="1.0" encoding="utf-8"?>
-<p:notes xmlns:a="http://schemas.openxmlformats.org/drawingml/2006/main" xmlns:p="http://schemas.openxmlformats.org/presentationml/2006/main" xmlns:r="http://schemas.openxmlformats.org/officeDocument/2006/relationships" xmlns:p14="http://schemas.microsoft.com/office/powerpoint/2010/main" xmlns:p15="http://schemas.microsoft.com/office/powerpoint/2012/main" xmlns:mc="http://schemas.openxmlformats.org/markup-compatibility/2006">
-  <p:cSld>
-    <p:spTree>
-      <p:nvGrpSpPr>
-        <p:cNvPr id="1" name=""/>
-        <p:cNvGrpSpPr/>
-        <p:nvPr/>
-      </p:nvGrpSpPr>
-      <p:grpSpPr>
-        <a:xfrm>
-          <a:off x="0" y="0"/>
-          <a:ext cx="0" cy="0"/>
-          <a:chOff x="0" y="0"/>
-          <a:chExt cx="0" cy="0"/>
-        </a:xfrm>
-      </p:grpSpPr>
-      <p:sp>
-        <p:nvSpPr>
-          <p:cNvPr id="257" name="PlaceHolder 1"/>
-          <p:cNvSpPr>
-            <a:spLocks noGrp="1"/>
-          </p:cNvSpPr>
-          <p:nvPr>
-            <p:ph type="body"/>
-          </p:nvPr>
-        </p:nvSpPr>
-        <p:spPr>
-          <a:xfrm>
-            <a:off x="756000" y="5078520"/>
-            <a:ext cx="6047280" cy="4811040"/>
-          </a:xfrm>
-          <a:prstGeom prst="rect">
-            <a:avLst/>
-          </a:prstGeom>
-          <a:noFill/>
-          <a:ln w="0">
-            <a:noFill/>
-          </a:ln>
-        </p:spPr>
-        <p:txBody>
-          <a:bodyPr lIns="91440" rIns="91440" tIns="91440" bIns="91440" anchor="ctr">
-            <a:noAutofit/>
-          </a:bodyPr>
-          <a:p>
-            <a:pPr indent="0">
-              <a:lnSpc>
-                <a:spcPct val="100000"/>
-              </a:lnSpc>
-              <a:buNone/>
-              <a:tabLst>
-                <a:tab algn="l" pos="0"/>
-              </a:tabLst>
-            </a:pPr>
-            <a:r>
-              <a:rPr b="0" lang="it-IT" sz="1200" spc="-1" strike="noStrike">
-                <a:solidFill>
-                  <a:srgbClr val="000000"/>
-                </a:solidFill>
-                <a:latin typeface="Arial"/>
-                <a:ea typeface="Arial"/>
-              </a:rPr>
-              <a:t>I linguaggi di programmazione ad alto livello come C, Python e NodeJs possono essere usati anche per programmare i device.</a:t>
-            </a:r>
-            <a:endParaRPr b="0" lang="en-US" sz="1200" spc="-1" strike="noStrike">
-              <a:solidFill>
-                <a:srgbClr val="000000"/>
-              </a:solidFill>
-              <a:latin typeface="Arial"/>
-            </a:endParaRPr>
-          </a:p>
-          <a:p>
-            <a:pPr indent="0">
-              <a:lnSpc>
-                <a:spcPct val="100000"/>
-              </a:lnSpc>
-              <a:buNone/>
-              <a:tabLst>
-                <a:tab algn="l" pos="0"/>
-              </a:tabLst>
-            </a:pPr>
-            <a:endParaRPr b="0" lang="en-US" sz="1200" spc="-1" strike="noStrike">
-              <a:solidFill>
-                <a:srgbClr val="000000"/>
-              </a:solidFill>
-              <a:latin typeface="Arial"/>
-            </a:endParaRPr>
-          </a:p>
-          <a:p>
-            <a:pPr indent="0">
-              <a:lnSpc>
-                <a:spcPct val="100000"/>
-              </a:lnSpc>
-              <a:buNone/>
-              <a:tabLst>
-                <a:tab algn="l" pos="0"/>
-              </a:tabLst>
-            </a:pPr>
-            <a:r>
-              <a:rPr b="0" lang="it-IT" sz="1200" spc="-1" strike="noStrike">
-                <a:solidFill>
-                  <a:srgbClr val="000000"/>
-                </a:solidFill>
-                <a:latin typeface="Arial"/>
-                <a:ea typeface="Arial"/>
-              </a:rPr>
-              <a:t>Questa è una vera rivoluziona, nata molti anni fa con il progetto open hardware Arduino, che sta trasformando il mondo Dev introducendo un layer trasversale a Edge, Fog e Cloud dove lo sviluppatore potrà usare gli stessi strumenti e linguaggi in maniera trasparente al contesti sottostante</a:t>
-            </a:r>
-            <a:endParaRPr b="0" lang="en-US" sz="1200" spc="-1" strike="noStrike">
-              <a:solidFill>
-                <a:srgbClr val="000000"/>
-              </a:solidFill>
-              <a:latin typeface="Arial"/>
-            </a:endParaRPr>
-          </a:p>
-        </p:txBody>
-      </p:sp>
-      <p:sp>
-        <p:nvSpPr>
-          <p:cNvPr id="258" name="PlaceHolder 2"/>
-          <p:cNvSpPr>
-            <a:spLocks noGrp="1"/>
-          </p:cNvSpPr>
-          <p:nvPr>
-            <p:ph type="sldImg"/>
-          </p:nvPr>
-        </p:nvSpPr>
-        <p:spPr>
-          <a:xfrm>
-            <a:off x="1108080" y="801720"/>
-            <a:ext cx="5344920" cy="4009680"/>
           </a:xfrm>
           <a:prstGeom prst="rect">
             <a:avLst/>
@@ -2804,7 +1046,7 @@
       </p:grpSpPr>
       <p:sp>
         <p:nvSpPr>
-          <p:cNvPr id="215" name="PlaceHolder 1"/>
+          <p:cNvPr id="213" name="PlaceHolder 1"/>
           <p:cNvSpPr>
             <a:spLocks noGrp="1"/>
           </p:cNvSpPr>
@@ -2863,7 +1105,7 @@
                 <a:tab algn="l" pos="2895480"/>
               </a:tabLst>
             </a:pPr>
-            <a:fld id="{1BF9139F-01AA-4962-8F9E-37BCD11FC2BF}" type="slidenum">
+            <a:fld id="{50C45322-0B46-4CE0-941D-F333F14593E6}" type="slidenum">
               <a:rPr b="0" lang="it-IT" sz="1400" spc="-1" strike="noStrike">
                 <a:solidFill>
                   <a:srgbClr val="000000"/>
@@ -2884,7 +1126,7 @@
       </p:sp>
       <p:sp>
         <p:nvSpPr>
-          <p:cNvPr id="216" name="PlaceHolder 2"/>
+          <p:cNvPr id="214" name="PlaceHolder 2"/>
           <p:cNvSpPr>
             <a:spLocks noGrp="1"/>
           </p:cNvSpPr>
@@ -2904,209 +1146,6 @@
             <a:noFill/>
           </a:ln>
         </p:spPr>
-      </p:sp>
-      <p:sp>
-        <p:nvSpPr>
-          <p:cNvPr id="217" name="PlaceHolder 3"/>
-          <p:cNvSpPr>
-            <a:spLocks noGrp="1"/>
-          </p:cNvSpPr>
-          <p:nvPr>
-            <p:ph type="body"/>
-          </p:nvPr>
-        </p:nvSpPr>
-        <p:spPr>
-          <a:xfrm>
-            <a:off x="755640" y="5078520"/>
-            <a:ext cx="6048000" cy="4811400"/>
-          </a:xfrm>
-          <a:prstGeom prst="rect">
-            <a:avLst/>
-          </a:prstGeom>
-          <a:noFill/>
-          <a:ln w="0">
-            <a:noFill/>
-          </a:ln>
-        </p:spPr>
-        <p:txBody>
-          <a:bodyPr lIns="91440" rIns="91440" tIns="91440" bIns="91440" anchor="ctr">
-            <a:noAutofit/>
-          </a:bodyPr>
-          <a:p>
-            <a:pPr marL="457200" indent="-298440">
-              <a:lnSpc>
-                <a:spcPct val="100000"/>
-              </a:lnSpc>
-              <a:buClr>
-                <a:srgbClr val="000000"/>
-              </a:buClr>
-              <a:buFont typeface="Arial"/>
-              <a:buChar char="●"/>
-            </a:pPr>
-            <a:r>
-              <a:rPr b="0" lang="it-IT" sz="1200" spc="-1" strike="noStrike">
-                <a:solidFill>
-                  <a:srgbClr val="000000"/>
-                </a:solidFill>
-                <a:latin typeface="Arial"/>
-                <a:ea typeface="Arial"/>
-              </a:rPr>
-              <a:t>Quali sono i metodi e le tecnologie informatiche  </a:t>
-            </a:r>
-            <a:br>
-              <a:rPr sz="1200"/>
-            </a:br>
-            <a:r>
-              <a:rPr b="0" lang="it-IT" sz="1200" spc="-1" strike="noStrike">
-                <a:solidFill>
-                  <a:srgbClr val="000000"/>
-                </a:solidFill>
-                <a:latin typeface="Arial"/>
-                <a:ea typeface="Arial"/>
-              </a:rPr>
-              <a:t>utili per poter applicare algoritmi di Intelligenza Artificiale </a:t>
-            </a:r>
-            <a:br>
-              <a:rPr sz="1200"/>
-            </a:br>
-            <a:r>
-              <a:rPr b="0" lang="it-IT" sz="1200" spc="-1" strike="noStrike">
-                <a:solidFill>
-                  <a:srgbClr val="000000"/>
-                </a:solidFill>
-                <a:latin typeface="Arial"/>
-                <a:ea typeface="Arial"/>
-              </a:rPr>
-              <a:t>a grandi moli di dati provenienti da sensori e </a:t>
-            </a:r>
-            <a:br>
-              <a:rPr sz="1200"/>
-            </a:br>
-            <a:r>
-              <a:rPr b="0" lang="it-IT" sz="1200" spc="-1" strike="noStrike">
-                <a:solidFill>
-                  <a:srgbClr val="000000"/>
-                </a:solidFill>
-                <a:latin typeface="Arial"/>
-                <a:ea typeface="Arial"/>
-              </a:rPr>
-              <a:t>che richiedono elaborazioni di diversa granularità e complessità?</a:t>
-            </a:r>
-            <a:endParaRPr b="0" lang="en-US" sz="1200" spc="-1" strike="noStrike">
-              <a:solidFill>
-                <a:srgbClr val="000000"/>
-              </a:solidFill>
-              <a:latin typeface="Arial"/>
-            </a:endParaRPr>
-          </a:p>
-          <a:p>
-            <a:pPr marL="158760" indent="0">
-              <a:lnSpc>
-                <a:spcPct val="100000"/>
-              </a:lnSpc>
-              <a:buNone/>
-              <a:tabLst>
-                <a:tab algn="l" pos="0"/>
-              </a:tabLst>
-            </a:pPr>
-            <a:endParaRPr b="0" lang="en-US" sz="1200" spc="-1" strike="noStrike">
-              <a:solidFill>
-                <a:srgbClr val="000000"/>
-              </a:solidFill>
-              <a:latin typeface="Arial"/>
-            </a:endParaRPr>
-          </a:p>
-          <a:p>
-            <a:pPr indent="0">
-              <a:lnSpc>
-                <a:spcPct val="100000"/>
-              </a:lnSpc>
-              <a:buNone/>
-              <a:tabLst>
-                <a:tab algn="l" pos="0"/>
-              </a:tabLst>
-            </a:pPr>
-            <a:endParaRPr b="0" lang="en-US" sz="1200" spc="-1" strike="noStrike">
-              <a:solidFill>
-                <a:srgbClr val="000000"/>
-              </a:solidFill>
-              <a:latin typeface="Arial"/>
-            </a:endParaRPr>
-          </a:p>
-          <a:p>
-            <a:pPr marL="457200" indent="-298440">
-              <a:lnSpc>
-                <a:spcPct val="100000"/>
-              </a:lnSpc>
-              <a:buClr>
-                <a:srgbClr val="000000"/>
-              </a:buClr>
-              <a:buFont typeface="Arial"/>
-              <a:buChar char="●"/>
-              <a:tabLst>
-                <a:tab algn="l" pos="0"/>
-              </a:tabLst>
-            </a:pPr>
-            <a:r>
-              <a:rPr b="0" lang="it-IT" sz="1200" spc="-1" strike="noStrike">
-                <a:solidFill>
-                  <a:srgbClr val="000000"/>
-                </a:solidFill>
-                <a:latin typeface="Arial"/>
-                <a:ea typeface="Arial"/>
-              </a:rPr>
-              <a:t>Parleremo di IoT, Edge, Fog, Cloud, architetture software </a:t>
-            </a:r>
-            <a:br>
-              <a:rPr sz="1200"/>
-            </a:br>
-            <a:r>
-              <a:rPr b="0" lang="it-IT" sz="1200" spc="-1" strike="noStrike">
-                <a:solidFill>
-                  <a:srgbClr val="000000"/>
-                </a:solidFill>
-                <a:latin typeface="Arial"/>
-                <a:ea typeface="Arial"/>
-              </a:rPr>
-              <a:t>ed esempi su particolari domini applicativi</a:t>
-            </a:r>
-            <a:br>
-              <a:rPr sz="1200"/>
-            </a:br>
-            <a:r>
-              <a:rPr b="0" lang="it-IT" sz="1200" spc="-1" strike="noStrike">
-                <a:solidFill>
-                  <a:srgbClr val="000000"/>
-                </a:solidFill>
-                <a:latin typeface="Arial"/>
-              </a:rPr>
-              <a:t> </a:t>
-            </a:r>
-            <a:endParaRPr b="0" lang="en-US" sz="1200" spc="-1" strike="noStrike">
-              <a:solidFill>
-                <a:srgbClr val="000000"/>
-              </a:solidFill>
-              <a:latin typeface="Arial"/>
-            </a:endParaRPr>
-          </a:p>
-          <a:p>
-            <a:pPr indent="0">
-              <a:lnSpc>
-                <a:spcPct val="100000"/>
-              </a:lnSpc>
-              <a:buNone/>
-              <a:tabLst>
-                <a:tab algn="l" pos="0"/>
-              </a:tabLst>
-            </a:pPr>
-            <a:endParaRPr b="0" lang="en-US" sz="2400" spc="-1" strike="noStrike">
-              <a:solidFill>
-                <a:srgbClr val="000000"/>
-              </a:solidFill>
-              <a:latin typeface="Arial"/>
-            </a:endParaRPr>
-          </a:p>
-        </p:txBody>
       </p:sp>
     </p:spTree>
   </p:cSld>
@@ -3132,7 +1171,7 @@
       </p:grpSpPr>
       <p:sp>
         <p:nvSpPr>
-          <p:cNvPr id="218" name="PlaceHolder 1"/>
+          <p:cNvPr id="215" name="PlaceHolder 1"/>
           <p:cNvSpPr>
             <a:spLocks noGrp="1"/>
           </p:cNvSpPr>
@@ -3191,7 +1230,7 @@
                 <a:tab algn="l" pos="2895480"/>
               </a:tabLst>
             </a:pPr>
-            <a:fld id="{A67D98DC-0445-42E2-ADF6-3B04B667F7FA}" type="slidenum">
+            <a:fld id="{A1027B7E-DA3B-4A25-91A3-2EE51F1CB34E}" type="slidenum">
               <a:rPr b="0" lang="it-IT" sz="1400" spc="-1" strike="noStrike">
                 <a:solidFill>
                   <a:srgbClr val="000000"/>
@@ -3212,7 +1251,7 @@
       </p:sp>
       <p:sp>
         <p:nvSpPr>
-          <p:cNvPr id="219" name="PlaceHolder 2"/>
+          <p:cNvPr id="216" name="PlaceHolder 2"/>
           <p:cNvSpPr>
             <a:spLocks noGrp="1"/>
           </p:cNvSpPr>
@@ -3232,209 +1271,6 @@
             <a:noFill/>
           </a:ln>
         </p:spPr>
-      </p:sp>
-      <p:sp>
-        <p:nvSpPr>
-          <p:cNvPr id="220" name="PlaceHolder 3"/>
-          <p:cNvSpPr>
-            <a:spLocks noGrp="1"/>
-          </p:cNvSpPr>
-          <p:nvPr>
-            <p:ph type="body"/>
-          </p:nvPr>
-        </p:nvSpPr>
-        <p:spPr>
-          <a:xfrm>
-            <a:off x="755640" y="5078520"/>
-            <a:ext cx="6048000" cy="4811400"/>
-          </a:xfrm>
-          <a:prstGeom prst="rect">
-            <a:avLst/>
-          </a:prstGeom>
-          <a:noFill/>
-          <a:ln w="0">
-            <a:noFill/>
-          </a:ln>
-        </p:spPr>
-        <p:txBody>
-          <a:bodyPr lIns="91440" rIns="91440" tIns="91440" bIns="91440" anchor="ctr">
-            <a:noAutofit/>
-          </a:bodyPr>
-          <a:p>
-            <a:pPr marL="457200" indent="-298440">
-              <a:lnSpc>
-                <a:spcPct val="100000"/>
-              </a:lnSpc>
-              <a:buClr>
-                <a:srgbClr val="000000"/>
-              </a:buClr>
-              <a:buFont typeface="Arial"/>
-              <a:buChar char="●"/>
-            </a:pPr>
-            <a:r>
-              <a:rPr b="0" lang="it-IT" sz="1200" spc="-1" strike="noStrike">
-                <a:solidFill>
-                  <a:srgbClr val="000000"/>
-                </a:solidFill>
-                <a:latin typeface="Arial"/>
-                <a:ea typeface="Arial"/>
-              </a:rPr>
-              <a:t>Quali sono i metodi e le tecnologie informatiche  </a:t>
-            </a:r>
-            <a:br>
-              <a:rPr sz="1200"/>
-            </a:br>
-            <a:r>
-              <a:rPr b="0" lang="it-IT" sz="1200" spc="-1" strike="noStrike">
-                <a:solidFill>
-                  <a:srgbClr val="000000"/>
-                </a:solidFill>
-                <a:latin typeface="Arial"/>
-                <a:ea typeface="Arial"/>
-              </a:rPr>
-              <a:t>utili per poter applicare algoritmi di Intelligenza Artificiale </a:t>
-            </a:r>
-            <a:br>
-              <a:rPr sz="1200"/>
-            </a:br>
-            <a:r>
-              <a:rPr b="0" lang="it-IT" sz="1200" spc="-1" strike="noStrike">
-                <a:solidFill>
-                  <a:srgbClr val="000000"/>
-                </a:solidFill>
-                <a:latin typeface="Arial"/>
-                <a:ea typeface="Arial"/>
-              </a:rPr>
-              <a:t>a grandi moli di dati provenienti da sensori e </a:t>
-            </a:r>
-            <a:br>
-              <a:rPr sz="1200"/>
-            </a:br>
-            <a:r>
-              <a:rPr b="0" lang="it-IT" sz="1200" spc="-1" strike="noStrike">
-                <a:solidFill>
-                  <a:srgbClr val="000000"/>
-                </a:solidFill>
-                <a:latin typeface="Arial"/>
-                <a:ea typeface="Arial"/>
-              </a:rPr>
-              <a:t>che richiedono elaborazioni di diversa granularità e complessità?</a:t>
-            </a:r>
-            <a:endParaRPr b="0" lang="en-US" sz="1200" spc="-1" strike="noStrike">
-              <a:solidFill>
-                <a:srgbClr val="000000"/>
-              </a:solidFill>
-              <a:latin typeface="Arial"/>
-            </a:endParaRPr>
-          </a:p>
-          <a:p>
-            <a:pPr marL="158760" indent="0">
-              <a:lnSpc>
-                <a:spcPct val="100000"/>
-              </a:lnSpc>
-              <a:buNone/>
-              <a:tabLst>
-                <a:tab algn="l" pos="0"/>
-              </a:tabLst>
-            </a:pPr>
-            <a:endParaRPr b="0" lang="en-US" sz="1200" spc="-1" strike="noStrike">
-              <a:solidFill>
-                <a:srgbClr val="000000"/>
-              </a:solidFill>
-              <a:latin typeface="Arial"/>
-            </a:endParaRPr>
-          </a:p>
-          <a:p>
-            <a:pPr indent="0">
-              <a:lnSpc>
-                <a:spcPct val="100000"/>
-              </a:lnSpc>
-              <a:buNone/>
-              <a:tabLst>
-                <a:tab algn="l" pos="0"/>
-              </a:tabLst>
-            </a:pPr>
-            <a:endParaRPr b="0" lang="en-US" sz="1200" spc="-1" strike="noStrike">
-              <a:solidFill>
-                <a:srgbClr val="000000"/>
-              </a:solidFill>
-              <a:latin typeface="Arial"/>
-            </a:endParaRPr>
-          </a:p>
-          <a:p>
-            <a:pPr marL="457200" indent="-298440">
-              <a:lnSpc>
-                <a:spcPct val="100000"/>
-              </a:lnSpc>
-              <a:buClr>
-                <a:srgbClr val="000000"/>
-              </a:buClr>
-              <a:buFont typeface="Arial"/>
-              <a:buChar char="●"/>
-              <a:tabLst>
-                <a:tab algn="l" pos="0"/>
-              </a:tabLst>
-            </a:pPr>
-            <a:r>
-              <a:rPr b="0" lang="it-IT" sz="1200" spc="-1" strike="noStrike">
-                <a:solidFill>
-                  <a:srgbClr val="000000"/>
-                </a:solidFill>
-                <a:latin typeface="Arial"/>
-                <a:ea typeface="Arial"/>
-              </a:rPr>
-              <a:t>Parleremo di IoT, Edge, Fog, Cloud, architetture software </a:t>
-            </a:r>
-            <a:br>
-              <a:rPr sz="1200"/>
-            </a:br>
-            <a:r>
-              <a:rPr b="0" lang="it-IT" sz="1200" spc="-1" strike="noStrike">
-                <a:solidFill>
-                  <a:srgbClr val="000000"/>
-                </a:solidFill>
-                <a:latin typeface="Arial"/>
-                <a:ea typeface="Arial"/>
-              </a:rPr>
-              <a:t>ed esempi su particolari domini applicativi</a:t>
-            </a:r>
-            <a:br>
-              <a:rPr sz="1200"/>
-            </a:br>
-            <a:r>
-              <a:rPr b="0" lang="it-IT" sz="1200" spc="-1" strike="noStrike">
-                <a:solidFill>
-                  <a:srgbClr val="000000"/>
-                </a:solidFill>
-                <a:latin typeface="Arial"/>
-              </a:rPr>
-              <a:t> </a:t>
-            </a:r>
-            <a:endParaRPr b="0" lang="en-US" sz="1200" spc="-1" strike="noStrike">
-              <a:solidFill>
-                <a:srgbClr val="000000"/>
-              </a:solidFill>
-              <a:latin typeface="Arial"/>
-            </a:endParaRPr>
-          </a:p>
-          <a:p>
-            <a:pPr indent="0">
-              <a:lnSpc>
-                <a:spcPct val="100000"/>
-              </a:lnSpc>
-              <a:buNone/>
-              <a:tabLst>
-                <a:tab algn="l" pos="0"/>
-              </a:tabLst>
-            </a:pPr>
-            <a:endParaRPr b="0" lang="en-US" sz="2400" spc="-1" strike="noStrike">
-              <a:solidFill>
-                <a:srgbClr val="000000"/>
-              </a:solidFill>
-              <a:latin typeface="Arial"/>
-            </a:endParaRPr>
-          </a:p>
-        </p:txBody>
       </p:sp>
     </p:spTree>
   </p:cSld>
@@ -3460,7 +1296,7 @@
       </p:grpSpPr>
       <p:sp>
         <p:nvSpPr>
-          <p:cNvPr id="221" name="PlaceHolder 1"/>
+          <p:cNvPr id="217" name="PlaceHolder 1"/>
           <p:cNvSpPr>
             <a:spLocks noGrp="1"/>
           </p:cNvSpPr>
@@ -3519,7 +1355,7 @@
                 <a:tab algn="l" pos="2895480"/>
               </a:tabLst>
             </a:pPr>
-            <a:fld id="{F2DE1CB3-8781-4449-8309-6098E48F0930}" type="slidenum">
+            <a:fld id="{1999A3F4-9BBE-4E38-9C2B-85362BAAA535}" type="slidenum">
               <a:rPr b="0" lang="it-IT" sz="1400" spc="-1" strike="noStrike">
                 <a:solidFill>
                   <a:srgbClr val="000000"/>
@@ -3540,7 +1376,7 @@
       </p:sp>
       <p:sp>
         <p:nvSpPr>
-          <p:cNvPr id="222" name="PlaceHolder 2"/>
+          <p:cNvPr id="218" name="PlaceHolder 2"/>
           <p:cNvSpPr>
             <a:spLocks noGrp="1"/>
           </p:cNvSpPr>
@@ -3560,220 +1396,6 @@
             <a:noFill/>
           </a:ln>
         </p:spPr>
-      </p:sp>
-      <p:sp>
-        <p:nvSpPr>
-          <p:cNvPr id="223" name="PlaceHolder 3"/>
-          <p:cNvSpPr>
-            <a:spLocks noGrp="1"/>
-          </p:cNvSpPr>
-          <p:nvPr>
-            <p:ph type="body"/>
-          </p:nvPr>
-        </p:nvSpPr>
-        <p:spPr>
-          <a:xfrm>
-            <a:off x="755640" y="5078520"/>
-            <a:ext cx="6048000" cy="4811400"/>
-          </a:xfrm>
-          <a:prstGeom prst="rect">
-            <a:avLst/>
-          </a:prstGeom>
-          <a:noFill/>
-          <a:ln w="0">
-            <a:noFill/>
-          </a:ln>
-        </p:spPr>
-        <p:txBody>
-          <a:bodyPr lIns="91440" rIns="91440" tIns="91440" bIns="91440" anchor="ctr">
-            <a:noAutofit/>
-          </a:bodyPr>
-          <a:p>
-            <a:pPr marL="457200" indent="-298440">
-              <a:lnSpc>
-                <a:spcPct val="100000"/>
-              </a:lnSpc>
-              <a:buClr>
-                <a:srgbClr val="000000"/>
-              </a:buClr>
-              <a:buFont typeface="Arial"/>
-              <a:buChar char="●"/>
-            </a:pPr>
-            <a:r>
-              <a:rPr b="1" lang="it-IT" sz="1200" spc="-1" strike="noStrike">
-                <a:solidFill>
-                  <a:srgbClr val="000000"/>
-                </a:solidFill>
-                <a:latin typeface="Arial"/>
-                <a:ea typeface="Arial"/>
-              </a:rPr>
-              <a:t>L'Internet degli cose </a:t>
-            </a:r>
-            <a:r>
-              <a:rPr b="0" lang="it-IT" sz="1200" spc="-1" strike="noStrike">
-                <a:solidFill>
-                  <a:srgbClr val="000000"/>
-                </a:solidFill>
-                <a:latin typeface="Arial"/>
-                <a:ea typeface="Arial"/>
-              </a:rPr>
-              <a:t>è la rete di </a:t>
-            </a:r>
-            <a:br>
-              <a:rPr sz="1200"/>
-            </a:br>
-            <a:r>
-              <a:rPr b="0" lang="it-IT" sz="1200" spc="-1" strike="noStrike">
-                <a:solidFill>
-                  <a:srgbClr val="000000"/>
-                </a:solidFill>
-                <a:latin typeface="Arial"/>
-                <a:ea typeface="Arial"/>
-              </a:rPr>
-              <a:t>oggetti intelligenti che contengono </a:t>
-            </a:r>
-            <a:br>
-              <a:rPr sz="1200"/>
-            </a:br>
-            <a:r>
-              <a:rPr b="0" lang="it-IT" sz="1200" spc="-1" strike="noStrike">
-                <a:solidFill>
-                  <a:srgbClr val="000000"/>
-                </a:solidFill>
-                <a:latin typeface="Arial"/>
-                <a:ea typeface="Arial"/>
-              </a:rPr>
-              <a:t>una tecnologia incorporata per </a:t>
-            </a:r>
-            <a:br>
-              <a:rPr sz="1200"/>
-            </a:br>
-            <a:r>
-              <a:rPr b="0" lang="it-IT" sz="1200" spc="-1" strike="noStrike">
-                <a:solidFill>
-                  <a:srgbClr val="000000"/>
-                </a:solidFill>
-                <a:latin typeface="Arial"/>
-                <a:ea typeface="Arial"/>
-              </a:rPr>
-              <a:t>comunicare e percepire o interagire </a:t>
-            </a:r>
-            <a:br>
-              <a:rPr sz="1200"/>
-            </a:br>
-            <a:r>
-              <a:rPr b="0" lang="it-IT" sz="1200" spc="-1" strike="noStrike">
-                <a:solidFill>
-                  <a:srgbClr val="000000"/>
-                </a:solidFill>
-                <a:latin typeface="Arial"/>
-                <a:ea typeface="Arial"/>
-              </a:rPr>
-              <a:t>con l'ambiente esterno.</a:t>
-            </a:r>
-            <a:endParaRPr b="0" lang="en-US" sz="1200" spc="-1" strike="noStrike">
-              <a:solidFill>
-                <a:srgbClr val="000000"/>
-              </a:solidFill>
-              <a:latin typeface="Arial"/>
-            </a:endParaRPr>
-          </a:p>
-          <a:p>
-            <a:pPr indent="0">
-              <a:lnSpc>
-                <a:spcPct val="100000"/>
-              </a:lnSpc>
-              <a:buNone/>
-            </a:pPr>
-            <a:endParaRPr b="0" lang="en-US" sz="1200" spc="-1" strike="noStrike">
-              <a:solidFill>
-                <a:srgbClr val="000000"/>
-              </a:solidFill>
-              <a:latin typeface="Arial"/>
-            </a:endParaRPr>
-          </a:p>
-          <a:p>
-            <a:pPr marL="457200" indent="-298440">
-              <a:lnSpc>
-                <a:spcPct val="100000"/>
-              </a:lnSpc>
-              <a:buClr>
-                <a:srgbClr val="000000"/>
-              </a:buClr>
-              <a:buFont typeface="Arial"/>
-              <a:buChar char="●"/>
-            </a:pPr>
-            <a:r>
-              <a:rPr b="0" lang="it-IT" sz="1200" spc="-1" strike="noStrike">
-                <a:solidFill>
-                  <a:srgbClr val="000000"/>
-                </a:solidFill>
-                <a:latin typeface="Arial"/>
-                <a:ea typeface="Arial"/>
-              </a:rPr>
-              <a:t>Una volta che un oggetto intelligente </a:t>
-            </a:r>
-            <a:br>
-              <a:rPr sz="1200"/>
-            </a:br>
-            <a:r>
-              <a:rPr b="0" lang="it-IT" sz="1200" spc="-1" strike="noStrike">
-                <a:solidFill>
-                  <a:srgbClr val="000000"/>
-                </a:solidFill>
-                <a:latin typeface="Arial"/>
-                <a:ea typeface="Arial"/>
-              </a:rPr>
-              <a:t>viene connesso a Internet, </a:t>
-            </a:r>
-            <a:br>
-              <a:rPr sz="1200"/>
-            </a:br>
-            <a:r>
-              <a:rPr b="0" lang="it-IT" sz="1200" spc="-1" strike="noStrike">
-                <a:solidFill>
-                  <a:srgbClr val="000000"/>
-                </a:solidFill>
-                <a:latin typeface="Arial"/>
-                <a:ea typeface="Arial"/>
-              </a:rPr>
-              <a:t>i suoi servizi diventano parte </a:t>
-            </a:r>
-            <a:br>
-              <a:rPr sz="1200"/>
-            </a:br>
-            <a:r>
-              <a:rPr b="0" lang="it-IT" sz="1200" spc="-1" strike="noStrike">
-                <a:solidFill>
-                  <a:srgbClr val="000000"/>
-                </a:solidFill>
-                <a:latin typeface="Arial"/>
-                <a:ea typeface="Arial"/>
-              </a:rPr>
-              <a:t>della rete stessa</a:t>
-            </a:r>
-            <a:endParaRPr b="0" lang="en-US" sz="1200" spc="-1" strike="noStrike">
-              <a:solidFill>
-                <a:srgbClr val="000000"/>
-              </a:solidFill>
-              <a:latin typeface="Arial"/>
-            </a:endParaRPr>
-          </a:p>
-          <a:p>
-            <a:pPr indent="0">
-              <a:lnSpc>
-                <a:spcPct val="100000"/>
-              </a:lnSpc>
-              <a:buNone/>
-            </a:pPr>
-            <a:endParaRPr b="0" lang="en-US" sz="2400" spc="-1" strike="noStrike">
-              <a:solidFill>
-                <a:srgbClr val="000000"/>
-              </a:solidFill>
-              <a:latin typeface="Arial"/>
-            </a:endParaRPr>
-          </a:p>
-        </p:txBody>
       </p:sp>
     </p:spTree>
   </p:cSld>
@@ -3799,7 +1421,7 @@
       </p:grpSpPr>
       <p:sp>
         <p:nvSpPr>
-          <p:cNvPr id="224" name="PlaceHolder 1"/>
+          <p:cNvPr id="219" name="PlaceHolder 1"/>
           <p:cNvSpPr>
             <a:spLocks noGrp="1"/>
           </p:cNvSpPr>
@@ -3858,7 +1480,7 @@
                 <a:tab algn="l" pos="2895480"/>
               </a:tabLst>
             </a:pPr>
-            <a:fld id="{CE85188A-AC45-49F2-B994-2AB688E450B0}" type="slidenum">
+            <a:fld id="{4D1E5BF5-7CBD-4C25-A1D5-4AEBCCC25513}" type="slidenum">
               <a:rPr b="0" lang="it-IT" sz="1400" spc="-1" strike="noStrike">
                 <a:solidFill>
                   <a:srgbClr val="000000"/>
@@ -3879,7 +1501,7 @@
       </p:sp>
       <p:sp>
         <p:nvSpPr>
-          <p:cNvPr id="225" name="PlaceHolder 2"/>
+          <p:cNvPr id="220" name="PlaceHolder 2"/>
           <p:cNvSpPr>
             <a:spLocks noGrp="1"/>
           </p:cNvSpPr>
@@ -3899,441 +1521,6 @@
             <a:noFill/>
           </a:ln>
         </p:spPr>
-      </p:sp>
-      <p:sp>
-        <p:nvSpPr>
-          <p:cNvPr id="226" name="PlaceHolder 3"/>
-          <p:cNvSpPr>
-            <a:spLocks noGrp="1"/>
-          </p:cNvSpPr>
-          <p:nvPr>
-            <p:ph type="body"/>
-          </p:nvPr>
-        </p:nvSpPr>
-        <p:spPr>
-          <a:xfrm>
-            <a:off x="755640" y="5078520"/>
-            <a:ext cx="6048000" cy="4811400"/>
-          </a:xfrm>
-          <a:prstGeom prst="rect">
-            <a:avLst/>
-          </a:prstGeom>
-          <a:noFill/>
-          <a:ln w="0">
-            <a:noFill/>
-          </a:ln>
-        </p:spPr>
-        <p:txBody>
-          <a:bodyPr lIns="91440" rIns="91440" tIns="91440" bIns="91440" anchor="ctr">
-            <a:noAutofit/>
-          </a:bodyPr>
-          <a:p>
-            <a:pPr marL="457200" indent="-298440">
-              <a:lnSpc>
-                <a:spcPct val="100000"/>
-              </a:lnSpc>
-              <a:buClr>
-                <a:srgbClr val="000000"/>
-              </a:buClr>
-              <a:buFont typeface="Arial"/>
-              <a:buChar char="●"/>
-            </a:pPr>
-            <a:r>
-              <a:rPr b="1" lang="it-IT" sz="1200" spc="-1" strike="noStrike">
-                <a:solidFill>
-                  <a:srgbClr val="000000"/>
-                </a:solidFill>
-                <a:latin typeface="Arial"/>
-                <a:ea typeface="Arial"/>
-              </a:rPr>
-              <a:t>L'Internet degli cose </a:t>
-            </a:r>
-            <a:r>
-              <a:rPr b="0" lang="it-IT" sz="1200" spc="-1" strike="noStrike">
-                <a:solidFill>
-                  <a:srgbClr val="000000"/>
-                </a:solidFill>
-                <a:latin typeface="Arial"/>
-                <a:ea typeface="Arial"/>
-              </a:rPr>
-              <a:t>è la rete di </a:t>
-            </a:r>
-            <a:br>
-              <a:rPr sz="1200"/>
-            </a:br>
-            <a:r>
-              <a:rPr b="0" lang="it-IT" sz="1200" spc="-1" strike="noStrike">
-                <a:solidFill>
-                  <a:srgbClr val="000000"/>
-                </a:solidFill>
-                <a:latin typeface="Arial"/>
-                <a:ea typeface="Arial"/>
-              </a:rPr>
-              <a:t>oggetti intelligenti che contengono </a:t>
-            </a:r>
-            <a:br>
-              <a:rPr sz="1200"/>
-            </a:br>
-            <a:r>
-              <a:rPr b="0" lang="it-IT" sz="1200" spc="-1" strike="noStrike">
-                <a:solidFill>
-                  <a:srgbClr val="000000"/>
-                </a:solidFill>
-                <a:latin typeface="Arial"/>
-                <a:ea typeface="Arial"/>
-              </a:rPr>
-              <a:t>una tecnologia incorporata per </a:t>
-            </a:r>
-            <a:br>
-              <a:rPr sz="1200"/>
-            </a:br>
-            <a:r>
-              <a:rPr b="0" lang="it-IT" sz="1200" spc="-1" strike="noStrike">
-                <a:solidFill>
-                  <a:srgbClr val="000000"/>
-                </a:solidFill>
-                <a:latin typeface="Arial"/>
-                <a:ea typeface="Arial"/>
-              </a:rPr>
-              <a:t>comunicare e percepire o interagire </a:t>
-            </a:r>
-            <a:br>
-              <a:rPr sz="1200"/>
-            </a:br>
-            <a:r>
-              <a:rPr b="0" lang="it-IT" sz="1200" spc="-1" strike="noStrike">
-                <a:solidFill>
-                  <a:srgbClr val="000000"/>
-                </a:solidFill>
-                <a:latin typeface="Arial"/>
-                <a:ea typeface="Arial"/>
-              </a:rPr>
-              <a:t>con l'ambiente esterno.</a:t>
-            </a:r>
-            <a:endParaRPr b="0" lang="en-US" sz="1200" spc="-1" strike="noStrike">
-              <a:solidFill>
-                <a:srgbClr val="000000"/>
-              </a:solidFill>
-              <a:latin typeface="Arial"/>
-            </a:endParaRPr>
-          </a:p>
-          <a:p>
-            <a:pPr indent="0">
-              <a:lnSpc>
-                <a:spcPct val="100000"/>
-              </a:lnSpc>
-              <a:buNone/>
-            </a:pPr>
-            <a:endParaRPr b="0" lang="en-US" sz="1200" spc="-1" strike="noStrike">
-              <a:solidFill>
-                <a:srgbClr val="000000"/>
-              </a:solidFill>
-              <a:latin typeface="Arial"/>
-            </a:endParaRPr>
-          </a:p>
-          <a:p>
-            <a:pPr marL="457200" indent="-298440">
-              <a:lnSpc>
-                <a:spcPct val="100000"/>
-              </a:lnSpc>
-              <a:buClr>
-                <a:srgbClr val="000000"/>
-              </a:buClr>
-              <a:buFont typeface="Arial"/>
-              <a:buChar char="●"/>
-            </a:pPr>
-            <a:r>
-              <a:rPr b="0" lang="it-IT" sz="1200" spc="-1" strike="noStrike">
-                <a:solidFill>
-                  <a:srgbClr val="000000"/>
-                </a:solidFill>
-                <a:latin typeface="Arial"/>
-                <a:ea typeface="Arial"/>
-              </a:rPr>
-              <a:t>Una volta che un oggetto intelligente </a:t>
-            </a:r>
-            <a:br>
-              <a:rPr sz="1200"/>
-            </a:br>
-            <a:r>
-              <a:rPr b="0" lang="it-IT" sz="1200" spc="-1" strike="noStrike">
-                <a:solidFill>
-                  <a:srgbClr val="000000"/>
-                </a:solidFill>
-                <a:latin typeface="Arial"/>
-                <a:ea typeface="Arial"/>
-              </a:rPr>
-              <a:t>viene connesso a Internet, </a:t>
-            </a:r>
-            <a:br>
-              <a:rPr sz="1200"/>
-            </a:br>
-            <a:r>
-              <a:rPr b="0" lang="it-IT" sz="1200" spc="-1" strike="noStrike">
-                <a:solidFill>
-                  <a:srgbClr val="000000"/>
-                </a:solidFill>
-                <a:latin typeface="Arial"/>
-                <a:ea typeface="Arial"/>
-              </a:rPr>
-              <a:t>i suoi servizi diventano parte </a:t>
-            </a:r>
-            <a:br>
-              <a:rPr sz="1200"/>
-            </a:br>
-            <a:r>
-              <a:rPr b="0" lang="it-IT" sz="1200" spc="-1" strike="noStrike">
-                <a:solidFill>
-                  <a:srgbClr val="000000"/>
-                </a:solidFill>
-                <a:latin typeface="Arial"/>
-                <a:ea typeface="Arial"/>
-              </a:rPr>
-              <a:t>della rete stessa</a:t>
-            </a:r>
-            <a:endParaRPr b="0" lang="en-US" sz="1200" spc="-1" strike="noStrike">
-              <a:solidFill>
-                <a:srgbClr val="000000"/>
-              </a:solidFill>
-              <a:latin typeface="Arial"/>
-            </a:endParaRPr>
-          </a:p>
-          <a:p>
-            <a:pPr indent="0">
-              <a:lnSpc>
-                <a:spcPct val="100000"/>
-              </a:lnSpc>
-              <a:buNone/>
-            </a:pPr>
-            <a:endParaRPr b="0" lang="en-US" sz="2400" spc="-1" strike="noStrike">
-              <a:solidFill>
-                <a:srgbClr val="000000"/>
-              </a:solidFill>
-              <a:latin typeface="Arial"/>
-            </a:endParaRPr>
-          </a:p>
-        </p:txBody>
-      </p:sp>
-    </p:spTree>
-  </p:cSld>
-</p:notes>
-</file>
-
-<file path=ppt/notesSlides/notesSlide6.xml><?xml version="1.0" encoding="utf-8"?>
-<p:notes xmlns:a="http://schemas.openxmlformats.org/drawingml/2006/main" xmlns:p="http://schemas.openxmlformats.org/presentationml/2006/main" xmlns:r="http://schemas.openxmlformats.org/officeDocument/2006/relationships" xmlns:p14="http://schemas.microsoft.com/office/powerpoint/2010/main" xmlns:p15="http://schemas.microsoft.com/office/powerpoint/2012/main" xmlns:mc="http://schemas.openxmlformats.org/markup-compatibility/2006">
-  <p:cSld>
-    <p:spTree>
-      <p:nvGrpSpPr>
-        <p:cNvPr id="1" name=""/>
-        <p:cNvGrpSpPr/>
-        <p:nvPr/>
-      </p:nvGrpSpPr>
-      <p:grpSpPr>
-        <a:xfrm>
-          <a:off x="0" y="0"/>
-          <a:ext cx="0" cy="0"/>
-          <a:chOff x="0" y="0"/>
-          <a:chExt cx="0" cy="0"/>
-        </a:xfrm>
-      </p:grpSpPr>
-      <p:sp>
-        <p:nvSpPr>
-          <p:cNvPr id="227" name="PlaceHolder 1"/>
-          <p:cNvSpPr>
-            <a:spLocks noGrp="1"/>
-          </p:cNvSpPr>
-          <p:nvPr>
-            <p:ph type="sldImg"/>
-          </p:nvPr>
-        </p:nvSpPr>
-        <p:spPr>
-          <a:xfrm>
-            <a:off x="1108080" y="801720"/>
-            <a:ext cx="5344920" cy="4009680"/>
-          </a:xfrm>
-          <a:prstGeom prst="rect">
-            <a:avLst/>
-          </a:prstGeom>
-          <a:ln w="0">
-            <a:noFill/>
-          </a:ln>
-        </p:spPr>
-      </p:sp>
-      <p:sp>
-        <p:nvSpPr>
-          <p:cNvPr id="228" name="PlaceHolder 2"/>
-          <p:cNvSpPr>
-            <a:spLocks noGrp="1"/>
-          </p:cNvSpPr>
-          <p:nvPr>
-            <p:ph type="body"/>
-          </p:nvPr>
-        </p:nvSpPr>
-        <p:spPr>
-          <a:xfrm>
-            <a:off x="756000" y="5078520"/>
-            <a:ext cx="6047280" cy="4811040"/>
-          </a:xfrm>
-          <a:prstGeom prst="rect">
-            <a:avLst/>
-          </a:prstGeom>
-          <a:noFill/>
-          <a:ln w="0">
-            <a:noFill/>
-          </a:ln>
-        </p:spPr>
-        <p:txBody>
-          <a:bodyPr lIns="91440" rIns="91440" tIns="91440" bIns="91440" anchor="t">
-            <a:noAutofit/>
-          </a:bodyPr>
-          <a:p>
-            <a:pPr marL="158760" indent="0">
-              <a:lnSpc>
-                <a:spcPct val="100000"/>
-              </a:lnSpc>
-              <a:buNone/>
-              <a:tabLst>
-                <a:tab algn="l" pos="0"/>
-              </a:tabLst>
-            </a:pPr>
-            <a:r>
-              <a:rPr b="0" lang="it-IT" sz="1200" spc="-1" strike="noStrike">
-                <a:solidFill>
-                  <a:srgbClr val="000000"/>
-                </a:solidFill>
-                <a:latin typeface="Arial"/>
-                <a:ea typeface="Arial"/>
-              </a:rPr>
-              <a:t>Quale affermazione è vera?</a:t>
-            </a:r>
-            <a:br>
-              <a:rPr sz="1200"/>
-            </a:br>
-            <a:br>
-              <a:rPr sz="1200"/>
-            </a:br>
-            <a:r>
-              <a:rPr b="0" lang="it-IT" sz="1200" spc="-1" strike="noStrike">
-                <a:solidFill>
-                  <a:srgbClr val="000000"/>
-                </a:solidFill>
-                <a:latin typeface="Arial"/>
-                <a:ea typeface="Arial"/>
-              </a:rPr>
-              <a:t>A) HTTP è un protocollo asincrono mentre MQTT è un protocollo sincrono</a:t>
-            </a:r>
-            <a:br>
-              <a:rPr sz="1200"/>
-            </a:br>
-            <a:br>
-              <a:rPr sz="1200"/>
-            </a:br>
-            <a:r>
-              <a:rPr b="0" lang="it-IT" sz="1200" spc="-1" strike="noStrike">
-                <a:solidFill>
-                  <a:srgbClr val="000000"/>
-                </a:solidFill>
-                <a:latin typeface="Arial"/>
-                <a:ea typeface="Arial"/>
-              </a:rPr>
-              <a:t>B) Quando una richiesta HTTP ha successo si possono poi ricevere sequenze di ad intervalli regolari</a:t>
-            </a:r>
-            <a:endParaRPr b="0" lang="en-US" sz="1200" spc="-1" strike="noStrike">
-              <a:solidFill>
-                <a:srgbClr val="000000"/>
-              </a:solidFill>
-              <a:latin typeface="Arial"/>
-            </a:endParaRPr>
-          </a:p>
-          <a:p>
-            <a:pPr marL="158760" indent="0">
-              <a:lnSpc>
-                <a:spcPct val="100000"/>
-              </a:lnSpc>
-              <a:buNone/>
-              <a:tabLst>
-                <a:tab algn="l" pos="0"/>
-              </a:tabLst>
-            </a:pPr>
-            <a:endParaRPr b="0" lang="en-US" sz="1200" spc="-1" strike="noStrike">
-              <a:solidFill>
-                <a:srgbClr val="000000"/>
-              </a:solidFill>
-              <a:latin typeface="Arial"/>
-            </a:endParaRPr>
-          </a:p>
-          <a:p>
-            <a:pPr marL="158760" indent="0">
-              <a:lnSpc>
-                <a:spcPct val="100000"/>
-              </a:lnSpc>
-              <a:buNone/>
-              <a:tabLst>
-                <a:tab algn="l" pos="0"/>
-              </a:tabLst>
-            </a:pPr>
-            <a:r>
-              <a:rPr b="0" lang="it-IT" sz="1200" spc="-1" strike="noStrike">
-                <a:solidFill>
-                  <a:srgbClr val="000000"/>
-                </a:solidFill>
-                <a:latin typeface="Arial"/>
-                <a:ea typeface="Arial"/>
-              </a:rPr>
-              <a:t>C) MQTT è un protocollo client/server</a:t>
-            </a:r>
-            <a:endParaRPr b="0" lang="en-US" sz="1200" spc="-1" strike="noStrike">
-              <a:solidFill>
-                <a:srgbClr val="000000"/>
-              </a:solidFill>
-              <a:latin typeface="Arial"/>
-            </a:endParaRPr>
-          </a:p>
-          <a:p>
-            <a:pPr marL="158760" indent="0">
-              <a:lnSpc>
-                <a:spcPct val="100000"/>
-              </a:lnSpc>
-              <a:buNone/>
-              <a:tabLst>
-                <a:tab algn="l" pos="0"/>
-              </a:tabLst>
-            </a:pPr>
-            <a:endParaRPr b="0" lang="en-US" sz="1200" spc="-1" strike="noStrike">
-              <a:solidFill>
-                <a:srgbClr val="000000"/>
-              </a:solidFill>
-              <a:latin typeface="Arial"/>
-            </a:endParaRPr>
-          </a:p>
-          <a:p>
-            <a:pPr marL="158760" indent="0">
-              <a:lnSpc>
-                <a:spcPct val="100000"/>
-              </a:lnSpc>
-              <a:buNone/>
-              <a:tabLst>
-                <a:tab algn="l" pos="0"/>
-              </a:tabLst>
-            </a:pPr>
-            <a:r>
-              <a:rPr b="0" lang="it-IT" sz="1200" spc="-1" strike="noStrike">
-                <a:solidFill>
-                  <a:srgbClr val="000000"/>
-                </a:solidFill>
-                <a:latin typeface="Arial"/>
-                <a:ea typeface="Arial"/>
-              </a:rPr>
-              <a:t>D) Con una sola connessione  MQTT possiamo ricevere dati da un numero arbitrario di nodi di una rete</a:t>
-            </a:r>
-            <a:endParaRPr b="0" lang="en-US" sz="1200" spc="-1" strike="noStrike">
-              <a:solidFill>
-                <a:srgbClr val="000000"/>
-              </a:solidFill>
-              <a:latin typeface="Arial"/>
-            </a:endParaRPr>
-          </a:p>
-        </p:txBody>
       </p:sp>
     </p:spTree>
   </p:cSld>
@@ -4359,7 +1546,7 @@
       </p:grpSpPr>
       <p:sp>
         <p:nvSpPr>
-          <p:cNvPr id="229" name="PlaceHolder 1"/>
+          <p:cNvPr id="221" name="PlaceHolder 1"/>
           <p:cNvSpPr>
             <a:spLocks noGrp="1"/>
           </p:cNvSpPr>
@@ -4418,7 +1605,7 @@
                 <a:tab algn="l" pos="2895480"/>
               </a:tabLst>
             </a:pPr>
-            <a:fld id="{739A8248-CC1B-42DF-AEB7-0AF39D203664}" type="slidenum">
+            <a:fld id="{8E8554F3-4651-4835-A572-31193C502771}" type="slidenum">
               <a:rPr b="0" lang="it-IT" sz="1400" spc="-1" strike="noStrike">
                 <a:solidFill>
                   <a:srgbClr val="000000"/>
@@ -4439,7 +1626,7 @@
       </p:sp>
       <p:sp>
         <p:nvSpPr>
-          <p:cNvPr id="230" name="PlaceHolder 2"/>
+          <p:cNvPr id="222" name="PlaceHolder 2"/>
           <p:cNvSpPr>
             <a:spLocks noGrp="1"/>
           </p:cNvSpPr>
@@ -4459,220 +1646,6 @@
             <a:noFill/>
           </a:ln>
         </p:spPr>
-      </p:sp>
-      <p:sp>
-        <p:nvSpPr>
-          <p:cNvPr id="231" name="PlaceHolder 3"/>
-          <p:cNvSpPr>
-            <a:spLocks noGrp="1"/>
-          </p:cNvSpPr>
-          <p:nvPr>
-            <p:ph type="body"/>
-          </p:nvPr>
-        </p:nvSpPr>
-        <p:spPr>
-          <a:xfrm>
-            <a:off x="755640" y="5078520"/>
-            <a:ext cx="6048000" cy="4811400"/>
-          </a:xfrm>
-          <a:prstGeom prst="rect">
-            <a:avLst/>
-          </a:prstGeom>
-          <a:noFill/>
-          <a:ln w="0">
-            <a:noFill/>
-          </a:ln>
-        </p:spPr>
-        <p:txBody>
-          <a:bodyPr lIns="91440" rIns="91440" tIns="91440" bIns="91440" anchor="ctr">
-            <a:noAutofit/>
-          </a:bodyPr>
-          <a:p>
-            <a:pPr marL="457200" indent="-298440">
-              <a:lnSpc>
-                <a:spcPct val="100000"/>
-              </a:lnSpc>
-              <a:buClr>
-                <a:srgbClr val="000000"/>
-              </a:buClr>
-              <a:buFont typeface="Arial"/>
-              <a:buChar char="●"/>
-            </a:pPr>
-            <a:r>
-              <a:rPr b="1" lang="it-IT" sz="1200" spc="-1" strike="noStrike">
-                <a:solidFill>
-                  <a:srgbClr val="000000"/>
-                </a:solidFill>
-                <a:latin typeface="Arial"/>
-                <a:ea typeface="Arial"/>
-              </a:rPr>
-              <a:t>L'Internet degli cose </a:t>
-            </a:r>
-            <a:r>
-              <a:rPr b="0" lang="it-IT" sz="1200" spc="-1" strike="noStrike">
-                <a:solidFill>
-                  <a:srgbClr val="000000"/>
-                </a:solidFill>
-                <a:latin typeface="Arial"/>
-                <a:ea typeface="Arial"/>
-              </a:rPr>
-              <a:t>è la rete di </a:t>
-            </a:r>
-            <a:br>
-              <a:rPr sz="1200"/>
-            </a:br>
-            <a:r>
-              <a:rPr b="0" lang="it-IT" sz="1200" spc="-1" strike="noStrike">
-                <a:solidFill>
-                  <a:srgbClr val="000000"/>
-                </a:solidFill>
-                <a:latin typeface="Arial"/>
-                <a:ea typeface="Arial"/>
-              </a:rPr>
-              <a:t>oggetti intelligenti che contengono </a:t>
-            </a:r>
-            <a:br>
-              <a:rPr sz="1200"/>
-            </a:br>
-            <a:r>
-              <a:rPr b="0" lang="it-IT" sz="1200" spc="-1" strike="noStrike">
-                <a:solidFill>
-                  <a:srgbClr val="000000"/>
-                </a:solidFill>
-                <a:latin typeface="Arial"/>
-                <a:ea typeface="Arial"/>
-              </a:rPr>
-              <a:t>una tecnologia incorporata per </a:t>
-            </a:r>
-            <a:br>
-              <a:rPr sz="1200"/>
-            </a:br>
-            <a:r>
-              <a:rPr b="0" lang="it-IT" sz="1200" spc="-1" strike="noStrike">
-                <a:solidFill>
-                  <a:srgbClr val="000000"/>
-                </a:solidFill>
-                <a:latin typeface="Arial"/>
-                <a:ea typeface="Arial"/>
-              </a:rPr>
-              <a:t>comunicare e percepire o interagire </a:t>
-            </a:r>
-            <a:br>
-              <a:rPr sz="1200"/>
-            </a:br>
-            <a:r>
-              <a:rPr b="0" lang="it-IT" sz="1200" spc="-1" strike="noStrike">
-                <a:solidFill>
-                  <a:srgbClr val="000000"/>
-                </a:solidFill>
-                <a:latin typeface="Arial"/>
-                <a:ea typeface="Arial"/>
-              </a:rPr>
-              <a:t>con l'ambiente esterno.</a:t>
-            </a:r>
-            <a:endParaRPr b="0" lang="en-US" sz="1200" spc="-1" strike="noStrike">
-              <a:solidFill>
-                <a:srgbClr val="000000"/>
-              </a:solidFill>
-              <a:latin typeface="Arial"/>
-            </a:endParaRPr>
-          </a:p>
-          <a:p>
-            <a:pPr indent="0">
-              <a:lnSpc>
-                <a:spcPct val="100000"/>
-              </a:lnSpc>
-              <a:buNone/>
-            </a:pPr>
-            <a:endParaRPr b="0" lang="en-US" sz="1200" spc="-1" strike="noStrike">
-              <a:solidFill>
-                <a:srgbClr val="000000"/>
-              </a:solidFill>
-              <a:latin typeface="Arial"/>
-            </a:endParaRPr>
-          </a:p>
-          <a:p>
-            <a:pPr marL="457200" indent="-298440">
-              <a:lnSpc>
-                <a:spcPct val="100000"/>
-              </a:lnSpc>
-              <a:buClr>
-                <a:srgbClr val="000000"/>
-              </a:buClr>
-              <a:buFont typeface="Arial"/>
-              <a:buChar char="●"/>
-            </a:pPr>
-            <a:r>
-              <a:rPr b="0" lang="it-IT" sz="1200" spc="-1" strike="noStrike">
-                <a:solidFill>
-                  <a:srgbClr val="000000"/>
-                </a:solidFill>
-                <a:latin typeface="Arial"/>
-                <a:ea typeface="Arial"/>
-              </a:rPr>
-              <a:t>Una volta che un oggetto intelligente </a:t>
-            </a:r>
-            <a:br>
-              <a:rPr sz="1200"/>
-            </a:br>
-            <a:r>
-              <a:rPr b="0" lang="it-IT" sz="1200" spc="-1" strike="noStrike">
-                <a:solidFill>
-                  <a:srgbClr val="000000"/>
-                </a:solidFill>
-                <a:latin typeface="Arial"/>
-                <a:ea typeface="Arial"/>
-              </a:rPr>
-              <a:t>viene connesso a Internet, </a:t>
-            </a:r>
-            <a:br>
-              <a:rPr sz="1200"/>
-            </a:br>
-            <a:r>
-              <a:rPr b="0" lang="it-IT" sz="1200" spc="-1" strike="noStrike">
-                <a:solidFill>
-                  <a:srgbClr val="000000"/>
-                </a:solidFill>
-                <a:latin typeface="Arial"/>
-                <a:ea typeface="Arial"/>
-              </a:rPr>
-              <a:t>i suoi servizi diventano parte </a:t>
-            </a:r>
-            <a:br>
-              <a:rPr sz="1200"/>
-            </a:br>
-            <a:r>
-              <a:rPr b="0" lang="it-IT" sz="1200" spc="-1" strike="noStrike">
-                <a:solidFill>
-                  <a:srgbClr val="000000"/>
-                </a:solidFill>
-                <a:latin typeface="Arial"/>
-                <a:ea typeface="Arial"/>
-              </a:rPr>
-              <a:t>della rete stessa</a:t>
-            </a:r>
-            <a:endParaRPr b="0" lang="en-US" sz="1200" spc="-1" strike="noStrike">
-              <a:solidFill>
-                <a:srgbClr val="000000"/>
-              </a:solidFill>
-              <a:latin typeface="Arial"/>
-            </a:endParaRPr>
-          </a:p>
-          <a:p>
-            <a:pPr indent="0">
-              <a:lnSpc>
-                <a:spcPct val="100000"/>
-              </a:lnSpc>
-              <a:buNone/>
-            </a:pPr>
-            <a:endParaRPr b="0" lang="en-US" sz="2400" spc="-1" strike="noStrike">
-              <a:solidFill>
-                <a:srgbClr val="000000"/>
-              </a:solidFill>
-              <a:latin typeface="Arial"/>
-            </a:endParaRPr>
-          </a:p>
-        </p:txBody>
       </p:sp>
     </p:spTree>
   </p:cSld>
@@ -4698,7 +1671,7 @@
       </p:grpSpPr>
       <p:sp>
         <p:nvSpPr>
-          <p:cNvPr id="232" name="PlaceHolder 1"/>
+          <p:cNvPr id="223" name="PlaceHolder 1"/>
           <p:cNvSpPr>
             <a:spLocks noGrp="1"/>
           </p:cNvSpPr>
@@ -4757,7 +1730,7 @@
                 <a:tab algn="l" pos="2895480"/>
               </a:tabLst>
             </a:pPr>
-            <a:fld id="{894ACE0A-BAED-45DB-8D9C-A59BAEE576BB}" type="slidenum">
+            <a:fld id="{CAF28081-C833-4FD7-AB68-29CD61A847AB}" type="slidenum">
               <a:rPr b="0" lang="it-IT" sz="1400" spc="-1" strike="noStrike">
                 <a:solidFill>
                   <a:srgbClr val="000000"/>
@@ -4778,7 +1751,7 @@
       </p:sp>
       <p:sp>
         <p:nvSpPr>
-          <p:cNvPr id="233" name="PlaceHolder 2"/>
+          <p:cNvPr id="224" name="PlaceHolder 2"/>
           <p:cNvSpPr>
             <a:spLocks noGrp="1"/>
           </p:cNvSpPr>
@@ -4798,220 +1771,6 @@
             <a:noFill/>
           </a:ln>
         </p:spPr>
-      </p:sp>
-      <p:sp>
-        <p:nvSpPr>
-          <p:cNvPr id="234" name="PlaceHolder 3"/>
-          <p:cNvSpPr>
-            <a:spLocks noGrp="1"/>
-          </p:cNvSpPr>
-          <p:nvPr>
-            <p:ph type="body"/>
-          </p:nvPr>
-        </p:nvSpPr>
-        <p:spPr>
-          <a:xfrm>
-            <a:off x="755640" y="5078520"/>
-            <a:ext cx="6048000" cy="4811400"/>
-          </a:xfrm>
-          <a:prstGeom prst="rect">
-            <a:avLst/>
-          </a:prstGeom>
-          <a:noFill/>
-          <a:ln w="0">
-            <a:noFill/>
-          </a:ln>
-        </p:spPr>
-        <p:txBody>
-          <a:bodyPr lIns="91440" rIns="91440" tIns="91440" bIns="91440" anchor="ctr">
-            <a:noAutofit/>
-          </a:bodyPr>
-          <a:p>
-            <a:pPr marL="457200" indent="-298440">
-              <a:lnSpc>
-                <a:spcPct val="100000"/>
-              </a:lnSpc>
-              <a:buClr>
-                <a:srgbClr val="000000"/>
-              </a:buClr>
-              <a:buFont typeface="Arial"/>
-              <a:buChar char="●"/>
-            </a:pPr>
-            <a:r>
-              <a:rPr b="1" lang="it-IT" sz="1200" spc="-1" strike="noStrike">
-                <a:solidFill>
-                  <a:srgbClr val="000000"/>
-                </a:solidFill>
-                <a:latin typeface="Arial"/>
-                <a:ea typeface="Arial"/>
-              </a:rPr>
-              <a:t>L'Internet degli cose </a:t>
-            </a:r>
-            <a:r>
-              <a:rPr b="0" lang="it-IT" sz="1200" spc="-1" strike="noStrike">
-                <a:solidFill>
-                  <a:srgbClr val="000000"/>
-                </a:solidFill>
-                <a:latin typeface="Arial"/>
-                <a:ea typeface="Arial"/>
-              </a:rPr>
-              <a:t>è la rete di </a:t>
-            </a:r>
-            <a:br>
-              <a:rPr sz="1200"/>
-            </a:br>
-            <a:r>
-              <a:rPr b="0" lang="it-IT" sz="1200" spc="-1" strike="noStrike">
-                <a:solidFill>
-                  <a:srgbClr val="000000"/>
-                </a:solidFill>
-                <a:latin typeface="Arial"/>
-                <a:ea typeface="Arial"/>
-              </a:rPr>
-              <a:t>oggetti intelligenti che contengono </a:t>
-            </a:r>
-            <a:br>
-              <a:rPr sz="1200"/>
-            </a:br>
-            <a:r>
-              <a:rPr b="0" lang="it-IT" sz="1200" spc="-1" strike="noStrike">
-                <a:solidFill>
-                  <a:srgbClr val="000000"/>
-                </a:solidFill>
-                <a:latin typeface="Arial"/>
-                <a:ea typeface="Arial"/>
-              </a:rPr>
-              <a:t>una tecnologia incorporata per </a:t>
-            </a:r>
-            <a:br>
-              <a:rPr sz="1200"/>
-            </a:br>
-            <a:r>
-              <a:rPr b="0" lang="it-IT" sz="1200" spc="-1" strike="noStrike">
-                <a:solidFill>
-                  <a:srgbClr val="000000"/>
-                </a:solidFill>
-                <a:latin typeface="Arial"/>
-                <a:ea typeface="Arial"/>
-              </a:rPr>
-              <a:t>comunicare e percepire o interagire </a:t>
-            </a:r>
-            <a:br>
-              <a:rPr sz="1200"/>
-            </a:br>
-            <a:r>
-              <a:rPr b="0" lang="it-IT" sz="1200" spc="-1" strike="noStrike">
-                <a:solidFill>
-                  <a:srgbClr val="000000"/>
-                </a:solidFill>
-                <a:latin typeface="Arial"/>
-                <a:ea typeface="Arial"/>
-              </a:rPr>
-              <a:t>con l'ambiente esterno.</a:t>
-            </a:r>
-            <a:endParaRPr b="0" lang="en-US" sz="1200" spc="-1" strike="noStrike">
-              <a:solidFill>
-                <a:srgbClr val="000000"/>
-              </a:solidFill>
-              <a:latin typeface="Arial"/>
-            </a:endParaRPr>
-          </a:p>
-          <a:p>
-            <a:pPr indent="0">
-              <a:lnSpc>
-                <a:spcPct val="100000"/>
-              </a:lnSpc>
-              <a:buNone/>
-            </a:pPr>
-            <a:endParaRPr b="0" lang="en-US" sz="1200" spc="-1" strike="noStrike">
-              <a:solidFill>
-                <a:srgbClr val="000000"/>
-              </a:solidFill>
-              <a:latin typeface="Arial"/>
-            </a:endParaRPr>
-          </a:p>
-          <a:p>
-            <a:pPr marL="457200" indent="-298440">
-              <a:lnSpc>
-                <a:spcPct val="100000"/>
-              </a:lnSpc>
-              <a:buClr>
-                <a:srgbClr val="000000"/>
-              </a:buClr>
-              <a:buFont typeface="Arial"/>
-              <a:buChar char="●"/>
-            </a:pPr>
-            <a:r>
-              <a:rPr b="0" lang="it-IT" sz="1200" spc="-1" strike="noStrike">
-                <a:solidFill>
-                  <a:srgbClr val="000000"/>
-                </a:solidFill>
-                <a:latin typeface="Arial"/>
-                <a:ea typeface="Arial"/>
-              </a:rPr>
-              <a:t>Una volta che un oggetto intelligente </a:t>
-            </a:r>
-            <a:br>
-              <a:rPr sz="1200"/>
-            </a:br>
-            <a:r>
-              <a:rPr b="0" lang="it-IT" sz="1200" spc="-1" strike="noStrike">
-                <a:solidFill>
-                  <a:srgbClr val="000000"/>
-                </a:solidFill>
-                <a:latin typeface="Arial"/>
-                <a:ea typeface="Arial"/>
-              </a:rPr>
-              <a:t>viene connesso a Internet, </a:t>
-            </a:r>
-            <a:br>
-              <a:rPr sz="1200"/>
-            </a:br>
-            <a:r>
-              <a:rPr b="0" lang="it-IT" sz="1200" spc="-1" strike="noStrike">
-                <a:solidFill>
-                  <a:srgbClr val="000000"/>
-                </a:solidFill>
-                <a:latin typeface="Arial"/>
-                <a:ea typeface="Arial"/>
-              </a:rPr>
-              <a:t>i suoi servizi diventano parte </a:t>
-            </a:r>
-            <a:br>
-              <a:rPr sz="1200"/>
-            </a:br>
-            <a:r>
-              <a:rPr b="0" lang="it-IT" sz="1200" spc="-1" strike="noStrike">
-                <a:solidFill>
-                  <a:srgbClr val="000000"/>
-                </a:solidFill>
-                <a:latin typeface="Arial"/>
-                <a:ea typeface="Arial"/>
-              </a:rPr>
-              <a:t>della rete stessa</a:t>
-            </a:r>
-            <a:endParaRPr b="0" lang="en-US" sz="1200" spc="-1" strike="noStrike">
-              <a:solidFill>
-                <a:srgbClr val="000000"/>
-              </a:solidFill>
-              <a:latin typeface="Arial"/>
-            </a:endParaRPr>
-          </a:p>
-          <a:p>
-            <a:pPr indent="0">
-              <a:lnSpc>
-                <a:spcPct val="100000"/>
-              </a:lnSpc>
-              <a:buNone/>
-            </a:pPr>
-            <a:endParaRPr b="0" lang="en-US" sz="2400" spc="-1" strike="noStrike">
-              <a:solidFill>
-                <a:srgbClr val="000000"/>
-              </a:solidFill>
-              <a:latin typeface="Arial"/>
-            </a:endParaRPr>
-          </a:p>
-        </p:txBody>
       </p:sp>
     </p:spTree>
   </p:cSld>
@@ -5037,7 +1796,7 @@
       </p:grpSpPr>
       <p:sp>
         <p:nvSpPr>
-          <p:cNvPr id="235" name="PlaceHolder 1"/>
+          <p:cNvPr id="225" name="PlaceHolder 1"/>
           <p:cNvSpPr>
             <a:spLocks noGrp="1"/>
           </p:cNvSpPr>
@@ -5096,7 +1855,7 @@
                 <a:tab algn="l" pos="2895480"/>
               </a:tabLst>
             </a:pPr>
-            <a:fld id="{2F2F3F7A-074E-43E3-B65C-D3F606574A7A}" type="slidenum">
+            <a:fld id="{5C7332C9-D953-4EDF-A072-E8EB515B5C93}" type="slidenum">
               <a:rPr b="0" lang="it-IT" sz="1400" spc="-1" strike="noStrike">
                 <a:solidFill>
                   <a:srgbClr val="000000"/>
@@ -5117,7 +1876,7 @@
       </p:sp>
       <p:sp>
         <p:nvSpPr>
-          <p:cNvPr id="236" name="PlaceHolder 2"/>
+          <p:cNvPr id="226" name="PlaceHolder 2"/>
           <p:cNvSpPr>
             <a:spLocks noGrp="1"/>
           </p:cNvSpPr>
@@ -5137,220 +1896,6 @@
             <a:noFill/>
           </a:ln>
         </p:spPr>
-      </p:sp>
-      <p:sp>
-        <p:nvSpPr>
-          <p:cNvPr id="237" name="PlaceHolder 3"/>
-          <p:cNvSpPr>
-            <a:spLocks noGrp="1"/>
-          </p:cNvSpPr>
-          <p:nvPr>
-            <p:ph type="body"/>
-          </p:nvPr>
-        </p:nvSpPr>
-        <p:spPr>
-          <a:xfrm>
-            <a:off x="755640" y="5078520"/>
-            <a:ext cx="6048000" cy="4811400"/>
-          </a:xfrm>
-          <a:prstGeom prst="rect">
-            <a:avLst/>
-          </a:prstGeom>
-          <a:noFill/>
-          <a:ln w="0">
-            <a:noFill/>
-          </a:ln>
-        </p:spPr>
-        <p:txBody>
-          <a:bodyPr lIns="91440" rIns="91440" tIns="91440" bIns="91440" anchor="ctr">
-            <a:noAutofit/>
-          </a:bodyPr>
-          <a:p>
-            <a:pPr marL="457200" indent="-298440">
-              <a:lnSpc>
-                <a:spcPct val="100000"/>
-              </a:lnSpc>
-              <a:buClr>
-                <a:srgbClr val="000000"/>
-              </a:buClr>
-              <a:buFont typeface="Arial"/>
-              <a:buChar char="●"/>
-            </a:pPr>
-            <a:r>
-              <a:rPr b="1" lang="it-IT" sz="1200" spc="-1" strike="noStrike">
-                <a:solidFill>
-                  <a:srgbClr val="000000"/>
-                </a:solidFill>
-                <a:latin typeface="Arial"/>
-                <a:ea typeface="Arial"/>
-              </a:rPr>
-              <a:t>L'Internet degli cose </a:t>
-            </a:r>
-            <a:r>
-              <a:rPr b="0" lang="it-IT" sz="1200" spc="-1" strike="noStrike">
-                <a:solidFill>
-                  <a:srgbClr val="000000"/>
-                </a:solidFill>
-                <a:latin typeface="Arial"/>
-                <a:ea typeface="Arial"/>
-              </a:rPr>
-              <a:t>è la rete di </a:t>
-            </a:r>
-            <a:br>
-              <a:rPr sz="1200"/>
-            </a:br>
-            <a:r>
-              <a:rPr b="0" lang="it-IT" sz="1200" spc="-1" strike="noStrike">
-                <a:solidFill>
-                  <a:srgbClr val="000000"/>
-                </a:solidFill>
-                <a:latin typeface="Arial"/>
-                <a:ea typeface="Arial"/>
-              </a:rPr>
-              <a:t>oggetti intelligenti che contengono </a:t>
-            </a:r>
-            <a:br>
-              <a:rPr sz="1200"/>
-            </a:br>
-            <a:r>
-              <a:rPr b="0" lang="it-IT" sz="1200" spc="-1" strike="noStrike">
-                <a:solidFill>
-                  <a:srgbClr val="000000"/>
-                </a:solidFill>
-                <a:latin typeface="Arial"/>
-                <a:ea typeface="Arial"/>
-              </a:rPr>
-              <a:t>una tecnologia incorporata per </a:t>
-            </a:r>
-            <a:br>
-              <a:rPr sz="1200"/>
-            </a:br>
-            <a:r>
-              <a:rPr b="0" lang="it-IT" sz="1200" spc="-1" strike="noStrike">
-                <a:solidFill>
-                  <a:srgbClr val="000000"/>
-                </a:solidFill>
-                <a:latin typeface="Arial"/>
-                <a:ea typeface="Arial"/>
-              </a:rPr>
-              <a:t>comunicare e percepire o interagire </a:t>
-            </a:r>
-            <a:br>
-              <a:rPr sz="1200"/>
-            </a:br>
-            <a:r>
-              <a:rPr b="0" lang="it-IT" sz="1200" spc="-1" strike="noStrike">
-                <a:solidFill>
-                  <a:srgbClr val="000000"/>
-                </a:solidFill>
-                <a:latin typeface="Arial"/>
-                <a:ea typeface="Arial"/>
-              </a:rPr>
-              <a:t>con l'ambiente esterno.</a:t>
-            </a:r>
-            <a:endParaRPr b="0" lang="en-US" sz="1200" spc="-1" strike="noStrike">
-              <a:solidFill>
-                <a:srgbClr val="000000"/>
-              </a:solidFill>
-              <a:latin typeface="Arial"/>
-            </a:endParaRPr>
-          </a:p>
-          <a:p>
-            <a:pPr indent="0">
-              <a:lnSpc>
-                <a:spcPct val="100000"/>
-              </a:lnSpc>
-              <a:buNone/>
-            </a:pPr>
-            <a:endParaRPr b="0" lang="en-US" sz="1200" spc="-1" strike="noStrike">
-              <a:solidFill>
-                <a:srgbClr val="000000"/>
-              </a:solidFill>
-              <a:latin typeface="Arial"/>
-            </a:endParaRPr>
-          </a:p>
-          <a:p>
-            <a:pPr marL="457200" indent="-298440">
-              <a:lnSpc>
-                <a:spcPct val="100000"/>
-              </a:lnSpc>
-              <a:buClr>
-                <a:srgbClr val="000000"/>
-              </a:buClr>
-              <a:buFont typeface="Arial"/>
-              <a:buChar char="●"/>
-            </a:pPr>
-            <a:r>
-              <a:rPr b="0" lang="it-IT" sz="1200" spc="-1" strike="noStrike">
-                <a:solidFill>
-                  <a:srgbClr val="000000"/>
-                </a:solidFill>
-                <a:latin typeface="Arial"/>
-                <a:ea typeface="Arial"/>
-              </a:rPr>
-              <a:t>Una volta che un oggetto intelligente </a:t>
-            </a:r>
-            <a:br>
-              <a:rPr sz="1200"/>
-            </a:br>
-            <a:r>
-              <a:rPr b="0" lang="it-IT" sz="1200" spc="-1" strike="noStrike">
-                <a:solidFill>
-                  <a:srgbClr val="000000"/>
-                </a:solidFill>
-                <a:latin typeface="Arial"/>
-                <a:ea typeface="Arial"/>
-              </a:rPr>
-              <a:t>viene connesso a Internet, </a:t>
-            </a:r>
-            <a:br>
-              <a:rPr sz="1200"/>
-            </a:br>
-            <a:r>
-              <a:rPr b="0" lang="it-IT" sz="1200" spc="-1" strike="noStrike">
-                <a:solidFill>
-                  <a:srgbClr val="000000"/>
-                </a:solidFill>
-                <a:latin typeface="Arial"/>
-                <a:ea typeface="Arial"/>
-              </a:rPr>
-              <a:t>i suoi servizi diventano parte </a:t>
-            </a:r>
-            <a:br>
-              <a:rPr sz="1200"/>
-            </a:br>
-            <a:r>
-              <a:rPr b="0" lang="it-IT" sz="1200" spc="-1" strike="noStrike">
-                <a:solidFill>
-                  <a:srgbClr val="000000"/>
-                </a:solidFill>
-                <a:latin typeface="Arial"/>
-                <a:ea typeface="Arial"/>
-              </a:rPr>
-              <a:t>della rete stessa</a:t>
-            </a:r>
-            <a:endParaRPr b="0" lang="en-US" sz="1200" spc="-1" strike="noStrike">
-              <a:solidFill>
-                <a:srgbClr val="000000"/>
-              </a:solidFill>
-              <a:latin typeface="Arial"/>
-            </a:endParaRPr>
-          </a:p>
-          <a:p>
-            <a:pPr indent="0">
-              <a:lnSpc>
-                <a:spcPct val="100000"/>
-              </a:lnSpc>
-              <a:buNone/>
-            </a:pPr>
-            <a:endParaRPr b="0" lang="en-US" sz="2400" spc="-1" strike="noStrike">
-              <a:solidFill>
-                <a:srgbClr val="000000"/>
-              </a:solidFill>
-              <a:latin typeface="Arial"/>
-            </a:endParaRPr>
-          </a:p>
-        </p:txBody>
       </p:sp>
     </p:spTree>
   </p:cSld>
@@ -6102,7 +2647,7 @@
         <p:txBody>
           <a:bodyPr/>
           <a:p>
-            <a:fld id="{4D84F3C3-5A17-4380-A160-0192BE1F1C1D}" type="slidenum">
+            <a:fld id="{10968689-647A-44D5-85FA-533199E2BE35}" type="slidenum">
               <a:t>&lt;#&gt;</a:t>
             </a:fld>
           </a:p>
@@ -6244,7 +2789,7 @@
         <p:txBody>
           <a:bodyPr/>
           <a:p>
-            <a:fld id="{CB914332-66CB-434E-948C-0160B0B7780C}" type="slidenum">
+            <a:fld id="{3BD1E5CD-7DED-46B7-ACB2-5A2EE1BE32C5}" type="slidenum">
               <a:t>&lt;#&gt;</a:t>
             </a:fld>
           </a:p>
@@ -11397,7 +7942,7 @@
                 <a:tab algn="l" pos="0"/>
               </a:tabLst>
             </a:pPr>
-            <a:fld id="{AEF6940A-2EC5-411C-AD9C-CA9412108E07}" type="slidenum">
+            <a:fld id="{1FE16AA7-1AE7-4F44-AFCD-B21CB3931E74}" type="slidenum">
               <a:rPr b="0" lang="it-IT" sz="800" spc="-1" strike="noStrike">
                 <a:solidFill>
                   <a:srgbClr val="000000"/>
@@ -11673,7 +8218,7 @@
                 <a:tab algn="l" pos="0"/>
               </a:tabLst>
             </a:pPr>
-            <a:fld id="{E5543900-428C-459B-9207-3F42AE3DAF3B}" type="slidenum">
+            <a:fld id="{4B827CAF-70FE-4C07-9190-1AF0C7621263}" type="slidenum">
               <a:rPr b="0" lang="it-IT" sz="989" spc="-1" strike="noStrike">
                 <a:solidFill>
                   <a:srgbClr val="888888"/>
@@ -21021,7 +17566,7 @@
         </p:nvSpPr>
         <p:spPr>
           <a:xfrm>
-            <a:off x="3429000" y="2217600"/>
+            <a:off x="3223080" y="2217600"/>
             <a:ext cx="1440000" cy="1440000"/>
           </a:xfrm>
           <a:prstGeom prst="plaque">
@@ -21088,7 +17633,7 @@
         </p:nvSpPr>
         <p:spPr>
           <a:xfrm>
-            <a:off x="2277000" y="2541960"/>
+            <a:off x="2071080" y="2541960"/>
             <a:ext cx="914400" cy="685800"/>
           </a:xfrm>
           <a:prstGeom prst="notchedRightArrow">
@@ -21134,7 +17679,7 @@
         </p:nvSpPr>
         <p:spPr>
           <a:xfrm>
-            <a:off x="486000" y="2286000"/>
+            <a:off x="280080" y="2286000"/>
             <a:ext cx="1571400" cy="1211400"/>
           </a:xfrm>
           <a:custGeom>
@@ -21305,7 +17850,7 @@
         </p:nvSpPr>
         <p:spPr>
           <a:xfrm>
-            <a:off x="5076360" y="2597040"/>
+            <a:off x="4870440" y="2597040"/>
             <a:ext cx="885600" cy="685800"/>
           </a:xfrm>
           <a:prstGeom prst="notchedRightArrow">
@@ -21355,7 +17900,7 @@
         </p:blipFill>
         <p:spPr>
           <a:xfrm>
-            <a:off x="6172200" y="2514600"/>
+            <a:off x="5966280" y="2514600"/>
             <a:ext cx="1143000" cy="1143000"/>
           </a:xfrm>
           <a:prstGeom prst="rect">
@@ -21374,10 +17919,10 @@
         </p:nvGrpSpPr>
         <p:grpSpPr>
           <a:xfrm>
-            <a:off x="8517240" y="2544120"/>
-            <a:ext cx="1371960" cy="874440"/>
-            <a:chOff x="8517240" y="2544120"/>
-            <a:chExt cx="1371960" cy="874440"/>
+            <a:off x="8311320" y="2544120"/>
+            <a:ext cx="1518480" cy="874440"/>
+            <a:chOff x="8311320" y="2544120"/>
+            <a:chExt cx="1518480" cy="874440"/>
           </a:xfrm>
         </p:grpSpPr>
         <p:sp>
@@ -21388,8 +17933,8 @@
           </p:nvSpPr>
           <p:spPr>
             <a:xfrm>
-              <a:off x="8517240" y="2544120"/>
-              <a:ext cx="1371960" cy="764640"/>
+              <a:off x="8311320" y="2544120"/>
+              <a:ext cx="1518480" cy="764640"/>
             </a:xfrm>
             <a:prstGeom prst="rect">
               <a:avLst/>
@@ -21433,8 +17978,8 @@
           </p:nvSpPr>
           <p:spPr>
             <a:xfrm>
-              <a:off x="8576640" y="2653200"/>
-              <a:ext cx="1257840" cy="546480"/>
+              <a:off x="8377200" y="2653200"/>
+              <a:ext cx="1392120" cy="546480"/>
             </a:xfrm>
             <a:prstGeom prst="rect">
               <a:avLst/>
@@ -21488,8 +18033,8 @@
           </p:nvSpPr>
           <p:spPr>
             <a:xfrm>
-              <a:off x="9088920" y="3308760"/>
-              <a:ext cx="228600" cy="109440"/>
+              <a:off x="8944200" y="3308760"/>
+              <a:ext cx="252720" cy="109440"/>
             </a:xfrm>
             <a:prstGeom prst="rect">
               <a:avLst/>
@@ -21533,8 +18078,8 @@
           </p:nvSpPr>
           <p:spPr>
             <a:xfrm>
-              <a:off x="8974440" y="3418200"/>
-              <a:ext cx="457560" cy="360"/>
+              <a:off x="8817480" y="3418200"/>
+              <a:ext cx="506160" cy="360"/>
             </a:xfrm>
             <a:prstGeom prst="rect">
               <a:avLst/>
@@ -21579,7 +18124,7 @@
         </p:nvSpPr>
         <p:spPr>
           <a:xfrm>
-            <a:off x="7543800" y="2615760"/>
+            <a:off x="7337880" y="2615760"/>
             <a:ext cx="885600" cy="685800"/>
           </a:xfrm>
           <a:prstGeom prst="notchedRightArrow">
@@ -23386,7 +19931,7 @@
                 <a:latin typeface="Arial"/>
                 <a:ea typeface="Microsoft YaHei"/>
               </a:rPr>
-              <a:t>come sviluppare in Node-RED una semplice applicazione per l'acquisizione, elaborazione e visualizzazione di dati provenienti da dispositivi IoT</a:t>
+              <a:t>come sviluppare in Node-RED una semplice applicazione IoT </a:t>
             </a:r>
             <a:endParaRPr b="0" lang="en-US" sz="2400" spc="-1" strike="noStrike">
               <a:solidFill>
@@ -24267,7 +20812,7 @@
             </a:r>
             <a:endParaRPr b="0" lang="en-US" sz="2400" spc="-1" strike="noStrike">
               <a:solidFill>
-                <a:srgbClr val="000000"/>
+                <a:srgbClr val="ffffff"/>
               </a:solidFill>
               <a:latin typeface="Arial"/>
               <a:ea typeface="Microsoft YaHei"/>
@@ -24330,7 +20875,7 @@
             </a:r>
             <a:endParaRPr b="0" lang="en-US" sz="2400" spc="-1" strike="noStrike">
               <a:solidFill>
-                <a:srgbClr val="000000"/>
+                <a:srgbClr val="ffffff"/>
               </a:solidFill>
               <a:latin typeface="Arial"/>
               <a:ea typeface="Microsoft YaHei"/>
@@ -27080,7 +23625,7 @@
             <a:r>
               <a:rPr b="0" lang="en-US" sz="2800" spc="-1" strike="noStrike">
                 <a:solidFill>
-                  <a:srgbClr val="000000"/>
+                  <a:srgbClr val="ffffff"/>
                 </a:solidFill>
                 <a:latin typeface="Arial"/>
                 <a:ea typeface="Microsoft YaHei"/>
@@ -27089,7 +23634,7 @@
             </a:r>
             <a:endParaRPr b="0" lang="en-US" sz="2800" spc="-1" strike="noStrike">
               <a:solidFill>
-                <a:srgbClr val="000000"/>
+                <a:srgbClr val="ffffff"/>
               </a:solidFill>
               <a:latin typeface="Arial"/>
               <a:ea typeface="Microsoft YaHei"/>
@@ -27360,7 +23905,7 @@
             <a:r>
               <a:rPr b="0" lang="en-US" sz="2800" spc="-1" strike="noStrike">
                 <a:solidFill>
-                  <a:srgbClr val="000000"/>
+                  <a:srgbClr val="ffffff"/>
                 </a:solidFill>
                 <a:latin typeface="Arial"/>
                 <a:ea typeface="Microsoft YaHei"/>
@@ -27369,7 +23914,7 @@
             </a:r>
             <a:endParaRPr b="0" lang="en-US" sz="2800" spc="-1" strike="noStrike">
               <a:solidFill>
-                <a:srgbClr val="000000"/>
+                <a:srgbClr val="ffffff"/>
               </a:solidFill>
               <a:latin typeface="Arial"/>
               <a:ea typeface="Microsoft YaHei"/>
